--- a/doc/WalrusMovie_Presentation.pptx
+++ b/doc/WalrusMovie_Presentation.pptx
@@ -12,8 +12,9 @@
     <p:sldId id="267" r:id="rId6"/>
     <p:sldId id="268" r:id="rId7"/>
     <p:sldId id="269" r:id="rId8"/>
-    <p:sldId id="263" r:id="rId9"/>
-    <p:sldId id="264" r:id="rId10"/>
+    <p:sldId id="270" r:id="rId9"/>
+    <p:sldId id="263" r:id="rId10"/>
+    <p:sldId id="264" r:id="rId11"/>
   </p:sldIdLst>
   <p:sldSz cx="9144000" cy="6858000" type="screen4x3"/>
   <p:notesSz cx="6858000" cy="9144000"/>
@@ -8360,7 +8361,7 @@
 <dgm:dataModel xmlns:dgm="http://schemas.openxmlformats.org/drawingml/2006/diagram" xmlns:a="http://schemas.openxmlformats.org/drawingml/2006/main">
   <dgm:ptLst>
     <dgm:pt modelId="{353F3BB5-96CE-4784-A9CD-445B580DF8DA}" type="doc">
-      <dgm:prSet loTypeId="urn:microsoft.com/office/officeart/2018/2/layout/IconLabelList" loCatId="icon" qsTypeId="urn:microsoft.com/office/officeart/2005/8/quickstyle/simple1" qsCatId="simple" csTypeId="urn:microsoft.com/office/officeart/2018/5/colors/Iconchunking_neutralbg_colorful5" csCatId="colorful" phldr="1"/>
+      <dgm:prSet loTypeId="urn:microsoft.com/office/officeart/2018/2/layout/IconVerticalSolidList" loCatId="icon" qsTypeId="urn:microsoft.com/office/officeart/2005/8/quickstyle/simple1" qsCatId="simple" csTypeId="urn:microsoft.com/office/officeart/2018/5/colors/Iconchunking_neutralbg_colorful5" csCatId="colorful" phldr="1"/>
       <dgm:spPr/>
       <dgm:t>
         <a:bodyPr/>
@@ -8384,8 +8385,13 @@
           </a:pPr>
           <a:r>
             <a:rPr lang="en-US"/>
-            <a:t>联系我们：support@walrusmovie.com</a:t>
+            <a:t>联系我们：</a:t>
           </a:r>
+          <a:r>
+            <a:rPr lang="en" altLang="zh-CN"/>
+            <a:t>bc443995@gmail.com</a:t>
+          </a:r>
+          <a:endParaRPr lang="en-US"/>
         </a:p>
       </dgm:t>
     </dgm:pt>
@@ -8425,8 +8431,13 @@
           </a:pPr>
           <a:r>
             <a:rPr lang="en-US"/>
-            <a:t>网站：www.walrusmovie.com</a:t>
+            <a:t>网站：</a:t>
           </a:r>
+          <a:r>
+            <a:rPr lang="en" altLang="zh-CN"/>
+            <a:t>https://5n4d5491bbcz4x37j1s09k9g620882qq85a3lrb3ygildq8xbo.walrus.site</a:t>
+          </a:r>
+          <a:endParaRPr lang="en-US"/>
         </a:p>
       </dgm:t>
     </dgm:pt>
@@ -8452,7 +8463,7 @@
         </a:p>
       </dgm:t>
     </dgm:pt>
-    <dgm:pt modelId="{23FCEEDB-3D3E-479F-A3BA-07AB913269B0}" type="pres">
+    <dgm:pt modelId="{F3451D02-5A42-422E-96F6-AF6CDB9C6330}" type="pres">
       <dgm:prSet presAssocID="{353F3BB5-96CE-4784-A9CD-445B580DF8DA}" presName="root" presStyleCnt="0">
         <dgm:presLayoutVars>
           <dgm:dir/>
@@ -8461,11 +8472,15 @@
       </dgm:prSet>
       <dgm:spPr/>
     </dgm:pt>
-    <dgm:pt modelId="{4297D2B5-937B-4209-8B37-529AB4AE670C}" type="pres">
+    <dgm:pt modelId="{4F4AE765-24F3-4177-A268-B04AA0F101D4}" type="pres">
       <dgm:prSet presAssocID="{0471ACBB-C245-4EA3-A111-A97B8DEF17ED}" presName="compNode" presStyleCnt="0"/>
       <dgm:spPr/>
     </dgm:pt>
-    <dgm:pt modelId="{F0AD1F59-9BDA-467E-8BF9-F51CEB1B7E4E}" type="pres">
+    <dgm:pt modelId="{B43226D5-31EB-4088-812F-C188F5AD7EF3}" type="pres">
+      <dgm:prSet presAssocID="{0471ACBB-C245-4EA3-A111-A97B8DEF17ED}" presName="bgRect" presStyleLbl="bgShp" presStyleIdx="0" presStyleCnt="2"/>
+      <dgm:spPr/>
+    </dgm:pt>
+    <dgm:pt modelId="{15A73CAE-9402-4939-B673-B8225996E4BC}" type="pres">
       <dgm:prSet presAssocID="{0471ACBB-C245-4EA3-A111-A97B8DEF17ED}" presName="iconRect" presStyleLbl="node1" presStyleIdx="0" presStyleCnt="2"/>
       <dgm:spPr>
         <a:blipFill>
@@ -8483,9 +8498,6 @@
             <a:fillRect/>
           </a:stretch>
         </a:blipFill>
-        <a:ln>
-          <a:noFill/>
-        </a:ln>
       </dgm:spPr>
       <dgm:extLst>
         <a:ext uri="{E40237B7-FDA0-4F09-8148-C483321AD2D9}">
@@ -8493,28 +8505,32 @@
         </a:ext>
       </dgm:extLst>
     </dgm:pt>
-    <dgm:pt modelId="{CA032D11-92ED-49FA-ACF1-27B52C1F2FBD}" type="pres">
+    <dgm:pt modelId="{D531948C-7554-45E1-A65A-906927F88465}" type="pres">
       <dgm:prSet presAssocID="{0471ACBB-C245-4EA3-A111-A97B8DEF17ED}" presName="spaceRect" presStyleCnt="0"/>
       <dgm:spPr/>
     </dgm:pt>
-    <dgm:pt modelId="{E569349B-C00E-456A-8A18-991ACCB3E7D9}" type="pres">
-      <dgm:prSet presAssocID="{0471ACBB-C245-4EA3-A111-A97B8DEF17ED}" presName="textRect" presStyleLbl="revTx" presStyleIdx="0" presStyleCnt="2">
+    <dgm:pt modelId="{16B6B3BA-3E06-4371-BF99-80770BC5F9A9}" type="pres">
+      <dgm:prSet presAssocID="{0471ACBB-C245-4EA3-A111-A97B8DEF17ED}" presName="parTx" presStyleLbl="revTx" presStyleIdx="0" presStyleCnt="2">
         <dgm:presLayoutVars>
-          <dgm:chMax val="1"/>
-          <dgm:chPref val="1"/>
+          <dgm:chMax val="0"/>
+          <dgm:chPref val="0"/>
         </dgm:presLayoutVars>
       </dgm:prSet>
       <dgm:spPr/>
     </dgm:pt>
-    <dgm:pt modelId="{DFEAF65A-A9DD-4761-ADFD-1BF9F7E3DB50}" type="pres">
+    <dgm:pt modelId="{C9BE503D-39B0-426F-BF57-6F02117C36DD}" type="pres">
       <dgm:prSet presAssocID="{D5EC2529-4360-4D0F-8003-F8A2358CC004}" presName="sibTrans" presStyleCnt="0"/>
       <dgm:spPr/>
     </dgm:pt>
-    <dgm:pt modelId="{7635C9CF-E818-4AE9-BAD3-24DBCB27C6BC}" type="pres">
+    <dgm:pt modelId="{23513CD0-6A13-4B6D-8B10-87878D470F7C}" type="pres">
       <dgm:prSet presAssocID="{F17C39B6-0AEF-4687-9453-2C7865EDD459}" presName="compNode" presStyleCnt="0"/>
       <dgm:spPr/>
     </dgm:pt>
-    <dgm:pt modelId="{35FD76FA-13C6-4C12-99BD-CD8514B569D8}" type="pres">
+    <dgm:pt modelId="{4CA309F3-02A0-44AD-80B7-2368ADB3C096}" type="pres">
+      <dgm:prSet presAssocID="{F17C39B6-0AEF-4687-9453-2C7865EDD459}" presName="bgRect" presStyleLbl="bgShp" presStyleIdx="1" presStyleCnt="2"/>
+      <dgm:spPr/>
+    </dgm:pt>
+    <dgm:pt modelId="{243A73FE-6D4E-408D-97FF-7471179B8658}" type="pres">
       <dgm:prSet presAssocID="{F17C39B6-0AEF-4687-9453-2C7865EDD459}" presName="iconRect" presStyleLbl="node1" presStyleIdx="1" presStyleCnt="2"/>
       <dgm:spPr>
         <a:blipFill>
@@ -8532,9 +8548,6 @@
             <a:fillRect/>
           </a:stretch>
         </a:blipFill>
-        <a:ln>
-          <a:noFill/>
-        </a:ln>
       </dgm:spPr>
       <dgm:extLst>
         <a:ext uri="{E40237B7-FDA0-4F09-8148-C483321AD2D9}">
@@ -8542,35 +8555,37 @@
         </a:ext>
       </dgm:extLst>
     </dgm:pt>
-    <dgm:pt modelId="{5DE25C1A-FE32-4302-B74A-2403D699AD53}" type="pres">
+    <dgm:pt modelId="{85151E9B-6D82-466A-AEBD-A5B3D0D01854}" type="pres">
       <dgm:prSet presAssocID="{F17C39B6-0AEF-4687-9453-2C7865EDD459}" presName="spaceRect" presStyleCnt="0"/>
       <dgm:spPr/>
     </dgm:pt>
-    <dgm:pt modelId="{11DB9DF4-4CCB-4C1E-B305-7819E14DDE91}" type="pres">
-      <dgm:prSet presAssocID="{F17C39B6-0AEF-4687-9453-2C7865EDD459}" presName="textRect" presStyleLbl="revTx" presStyleIdx="1" presStyleCnt="2">
+    <dgm:pt modelId="{79B93B68-E274-44C8-86EC-55F9522A247C}" type="pres">
+      <dgm:prSet presAssocID="{F17C39B6-0AEF-4687-9453-2C7865EDD459}" presName="parTx" presStyleLbl="revTx" presStyleIdx="1" presStyleCnt="2">
         <dgm:presLayoutVars>
-          <dgm:chMax val="1"/>
-          <dgm:chPref val="1"/>
+          <dgm:chMax val="0"/>
+          <dgm:chPref val="0"/>
         </dgm:presLayoutVars>
       </dgm:prSet>
       <dgm:spPr/>
     </dgm:pt>
   </dgm:ptLst>
   <dgm:cxnLst>
+    <dgm:cxn modelId="{407FD923-2FC2-3742-AC90-3F034FFD8B42}" type="presOf" srcId="{0471ACBB-C245-4EA3-A111-A97B8DEF17ED}" destId="{16B6B3BA-3E06-4371-BF99-80770BC5F9A9}" srcOrd="0" destOrd="0" presId="urn:microsoft.com/office/officeart/2018/2/layout/IconVerticalSolidList"/>
+    <dgm:cxn modelId="{55491F25-6FB7-2044-8402-C0C0867AEEB3}" type="presOf" srcId="{F17C39B6-0AEF-4687-9453-2C7865EDD459}" destId="{79B93B68-E274-44C8-86EC-55F9522A247C}" srcOrd="0" destOrd="0" presId="urn:microsoft.com/office/officeart/2018/2/layout/IconVerticalSolidList"/>
     <dgm:cxn modelId="{A9B9E72D-F000-4E15-9250-369BCD63D359}" srcId="{353F3BB5-96CE-4784-A9CD-445B580DF8DA}" destId="{0471ACBB-C245-4EA3-A111-A97B8DEF17ED}" srcOrd="0" destOrd="0" parTransId="{D74BC077-84B7-47FD-9A20-D09EB1D0BB08}" sibTransId="{D5EC2529-4360-4D0F-8003-F8A2358CC004}"/>
-    <dgm:cxn modelId="{126B8137-1753-C64F-A060-02E961BC9245}" type="presOf" srcId="{353F3BB5-96CE-4784-A9CD-445B580DF8DA}" destId="{23FCEEDB-3D3E-479F-A3BA-07AB913269B0}" srcOrd="0" destOrd="0" presId="urn:microsoft.com/office/officeart/2018/2/layout/IconLabelList"/>
-    <dgm:cxn modelId="{E76EE64F-6F0A-EC48-AFE3-728E607532E1}" type="presOf" srcId="{F17C39B6-0AEF-4687-9453-2C7865EDD459}" destId="{11DB9DF4-4CCB-4C1E-B305-7819E14DDE91}" srcOrd="0" destOrd="0" presId="urn:microsoft.com/office/officeart/2018/2/layout/IconLabelList"/>
     <dgm:cxn modelId="{9C229876-007C-4DF7-AC7A-9AB45942B527}" srcId="{353F3BB5-96CE-4784-A9CD-445B580DF8DA}" destId="{F17C39B6-0AEF-4687-9453-2C7865EDD459}" srcOrd="1" destOrd="0" parTransId="{440AF492-405A-4139-BAC1-2EEB3C6469F3}" sibTransId="{9DE7C4FD-3457-4A08-B7E2-940E7669EF32}"/>
-    <dgm:cxn modelId="{03CEDEA8-8A95-C64E-B537-32CA74751BB7}" type="presOf" srcId="{0471ACBB-C245-4EA3-A111-A97B8DEF17ED}" destId="{E569349B-C00E-456A-8A18-991ACCB3E7D9}" srcOrd="0" destOrd="0" presId="urn:microsoft.com/office/officeart/2018/2/layout/IconLabelList"/>
-    <dgm:cxn modelId="{F21DE731-1DCD-D140-8BD3-5CD2801AEB07}" type="presParOf" srcId="{23FCEEDB-3D3E-479F-A3BA-07AB913269B0}" destId="{4297D2B5-937B-4209-8B37-529AB4AE670C}" srcOrd="0" destOrd="0" presId="urn:microsoft.com/office/officeart/2018/2/layout/IconLabelList"/>
-    <dgm:cxn modelId="{37194890-1EDC-7B42-AE29-F15137975FE9}" type="presParOf" srcId="{4297D2B5-937B-4209-8B37-529AB4AE670C}" destId="{F0AD1F59-9BDA-467E-8BF9-F51CEB1B7E4E}" srcOrd="0" destOrd="0" presId="urn:microsoft.com/office/officeart/2018/2/layout/IconLabelList"/>
-    <dgm:cxn modelId="{D439375C-6C0B-F243-BDF3-B48D74869AC8}" type="presParOf" srcId="{4297D2B5-937B-4209-8B37-529AB4AE670C}" destId="{CA032D11-92ED-49FA-ACF1-27B52C1F2FBD}" srcOrd="1" destOrd="0" presId="urn:microsoft.com/office/officeart/2018/2/layout/IconLabelList"/>
-    <dgm:cxn modelId="{EC3E89F1-94C5-004B-BA19-F89AD2FCBFA2}" type="presParOf" srcId="{4297D2B5-937B-4209-8B37-529AB4AE670C}" destId="{E569349B-C00E-456A-8A18-991ACCB3E7D9}" srcOrd="2" destOrd="0" presId="urn:microsoft.com/office/officeart/2018/2/layout/IconLabelList"/>
-    <dgm:cxn modelId="{70E79003-57C9-1249-9D3F-60DA0BE185AC}" type="presParOf" srcId="{23FCEEDB-3D3E-479F-A3BA-07AB913269B0}" destId="{DFEAF65A-A9DD-4761-ADFD-1BF9F7E3DB50}" srcOrd="1" destOrd="0" presId="urn:microsoft.com/office/officeart/2018/2/layout/IconLabelList"/>
-    <dgm:cxn modelId="{C0D01112-1CF8-E348-BEBE-9222C66358F2}" type="presParOf" srcId="{23FCEEDB-3D3E-479F-A3BA-07AB913269B0}" destId="{7635C9CF-E818-4AE9-BAD3-24DBCB27C6BC}" srcOrd="2" destOrd="0" presId="urn:microsoft.com/office/officeart/2018/2/layout/IconLabelList"/>
-    <dgm:cxn modelId="{8D8BAEA6-13F6-F348-A5CE-EB7E4BE8A22A}" type="presParOf" srcId="{7635C9CF-E818-4AE9-BAD3-24DBCB27C6BC}" destId="{35FD76FA-13C6-4C12-99BD-CD8514B569D8}" srcOrd="0" destOrd="0" presId="urn:microsoft.com/office/officeart/2018/2/layout/IconLabelList"/>
-    <dgm:cxn modelId="{6C61A725-8BA8-1F42-940D-753EDAB1EFAA}" type="presParOf" srcId="{7635C9CF-E818-4AE9-BAD3-24DBCB27C6BC}" destId="{5DE25C1A-FE32-4302-B74A-2403D699AD53}" srcOrd="1" destOrd="0" presId="urn:microsoft.com/office/officeart/2018/2/layout/IconLabelList"/>
-    <dgm:cxn modelId="{291D19A0-8944-DA4B-880D-8DCE912B94AA}" type="presParOf" srcId="{7635C9CF-E818-4AE9-BAD3-24DBCB27C6BC}" destId="{11DB9DF4-4CCB-4C1E-B305-7819E14DDE91}" srcOrd="2" destOrd="0" presId="urn:microsoft.com/office/officeart/2018/2/layout/IconLabelList"/>
+    <dgm:cxn modelId="{E9A539C1-9DEC-0841-8AA7-F4E279762579}" type="presOf" srcId="{353F3BB5-96CE-4784-A9CD-445B580DF8DA}" destId="{F3451D02-5A42-422E-96F6-AF6CDB9C6330}" srcOrd="0" destOrd="0" presId="urn:microsoft.com/office/officeart/2018/2/layout/IconVerticalSolidList"/>
+    <dgm:cxn modelId="{A8B07AD9-064A-8043-ACD2-58705602F604}" type="presParOf" srcId="{F3451D02-5A42-422E-96F6-AF6CDB9C6330}" destId="{4F4AE765-24F3-4177-A268-B04AA0F101D4}" srcOrd="0" destOrd="0" presId="urn:microsoft.com/office/officeart/2018/2/layout/IconVerticalSolidList"/>
+    <dgm:cxn modelId="{46D2ED0D-80B2-C549-BA39-BB003E9FF50C}" type="presParOf" srcId="{4F4AE765-24F3-4177-A268-B04AA0F101D4}" destId="{B43226D5-31EB-4088-812F-C188F5AD7EF3}" srcOrd="0" destOrd="0" presId="urn:microsoft.com/office/officeart/2018/2/layout/IconVerticalSolidList"/>
+    <dgm:cxn modelId="{81793113-019A-7C4E-A286-5C2475B5D38D}" type="presParOf" srcId="{4F4AE765-24F3-4177-A268-B04AA0F101D4}" destId="{15A73CAE-9402-4939-B673-B8225996E4BC}" srcOrd="1" destOrd="0" presId="urn:microsoft.com/office/officeart/2018/2/layout/IconVerticalSolidList"/>
+    <dgm:cxn modelId="{65049306-0A57-6541-B2FC-CD9247D152DD}" type="presParOf" srcId="{4F4AE765-24F3-4177-A268-B04AA0F101D4}" destId="{D531948C-7554-45E1-A65A-906927F88465}" srcOrd="2" destOrd="0" presId="urn:microsoft.com/office/officeart/2018/2/layout/IconVerticalSolidList"/>
+    <dgm:cxn modelId="{D67ABFCC-A34A-2745-9CBD-6EDB56015FAA}" type="presParOf" srcId="{4F4AE765-24F3-4177-A268-B04AA0F101D4}" destId="{16B6B3BA-3E06-4371-BF99-80770BC5F9A9}" srcOrd="3" destOrd="0" presId="urn:microsoft.com/office/officeart/2018/2/layout/IconVerticalSolidList"/>
+    <dgm:cxn modelId="{A754B21B-74BA-ED44-8172-C7CE97138EF8}" type="presParOf" srcId="{F3451D02-5A42-422E-96F6-AF6CDB9C6330}" destId="{C9BE503D-39B0-426F-BF57-6F02117C36DD}" srcOrd="1" destOrd="0" presId="urn:microsoft.com/office/officeart/2018/2/layout/IconVerticalSolidList"/>
+    <dgm:cxn modelId="{1FE0CBDD-62CA-7B40-BA5E-FEA441715292}" type="presParOf" srcId="{F3451D02-5A42-422E-96F6-AF6CDB9C6330}" destId="{23513CD0-6A13-4B6D-8B10-87878D470F7C}" srcOrd="2" destOrd="0" presId="urn:microsoft.com/office/officeart/2018/2/layout/IconVerticalSolidList"/>
+    <dgm:cxn modelId="{D03D677E-8038-A848-9390-89CFA37B803B}" type="presParOf" srcId="{23513CD0-6A13-4B6D-8B10-87878D470F7C}" destId="{4CA309F3-02A0-44AD-80B7-2368ADB3C096}" srcOrd="0" destOrd="0" presId="urn:microsoft.com/office/officeart/2018/2/layout/IconVerticalSolidList"/>
+    <dgm:cxn modelId="{9071A660-2B6D-D64F-8F29-A9BA1DD26B53}" type="presParOf" srcId="{23513CD0-6A13-4B6D-8B10-87878D470F7C}" destId="{243A73FE-6D4E-408D-97FF-7471179B8658}" srcOrd="1" destOrd="0" presId="urn:microsoft.com/office/officeart/2018/2/layout/IconVerticalSolidList"/>
+    <dgm:cxn modelId="{FB1921DF-FD00-0F42-88FC-212784373FA1}" type="presParOf" srcId="{23513CD0-6A13-4B6D-8B10-87878D470F7C}" destId="{85151E9B-6D82-466A-AEBD-A5B3D0D01854}" srcOrd="2" destOrd="0" presId="urn:microsoft.com/office/officeart/2018/2/layout/IconVerticalSolidList"/>
+    <dgm:cxn modelId="{07A74332-6D39-BC48-AB11-0C96951AF791}" type="presParOf" srcId="{23513CD0-6A13-4B6D-8B10-87878D470F7C}" destId="{79B93B68-E274-44C8-86EC-55F9522A247C}" srcOrd="3" destOrd="0" presId="urn:microsoft.com/office/officeart/2018/2/layout/IconVerticalSolidList"/>
   </dgm:cxnLst>
   <dgm:bg/>
   <dgm:whole/>
@@ -11713,15 +11728,57 @@
       <dsp:cNvGrpSpPr/>
     </dsp:nvGrpSpPr>
     <dsp:grpSpPr/>
-    <dsp:sp modelId="{F0AD1F59-9BDA-467E-8BF9-F51CEB1B7E4E}">
+    <dsp:sp modelId="{B43226D5-31EB-4088-812F-C188F5AD7EF3}">
       <dsp:nvSpPr>
         <dsp:cNvPr id="0" name=""/>
         <dsp:cNvSpPr/>
       </dsp:nvSpPr>
       <dsp:spPr>
         <a:xfrm>
-          <a:off x="1009209" y="594937"/>
-          <a:ext cx="1625062" cy="1625062"/>
+          <a:off x="0" y="641692"/>
+          <a:ext cx="7886700" cy="1184662"/>
+        </a:xfrm>
+        <a:prstGeom prst="roundRect">
+          <a:avLst>
+            <a:gd name="adj" fmla="val 10000"/>
+          </a:avLst>
+        </a:prstGeom>
+        <a:solidFill>
+          <a:schemeClr val="bg1">
+            <a:lumMod val="95000"/>
+            <a:hueOff val="0"/>
+            <a:satOff val="0"/>
+            <a:lumOff val="0"/>
+            <a:alphaOff val="0"/>
+          </a:schemeClr>
+        </a:solidFill>
+        <a:ln>
+          <a:noFill/>
+        </a:ln>
+        <a:effectLst/>
+      </dsp:spPr>
+      <dsp:style>
+        <a:lnRef idx="0">
+          <a:scrgbClr r="0" g="0" b="0"/>
+        </a:lnRef>
+        <a:fillRef idx="1">
+          <a:scrgbClr r="0" g="0" b="0"/>
+        </a:fillRef>
+        <a:effectRef idx="0">
+          <a:scrgbClr r="0" g="0" b="0"/>
+        </a:effectRef>
+        <a:fontRef idx="minor"/>
+      </dsp:style>
+    </dsp:sp>
+    <dsp:sp modelId="{15A73CAE-9402-4939-B673-B8225996E4BC}">
+      <dsp:nvSpPr>
+        <dsp:cNvPr id="0" name=""/>
+        <dsp:cNvSpPr/>
+      </dsp:nvSpPr>
+      <dsp:spPr>
+        <a:xfrm>
+          <a:off x="358360" y="908241"/>
+          <a:ext cx="651564" cy="651564"/>
         </a:xfrm>
         <a:prstGeom prst="rect">
           <a:avLst/>
@@ -11742,7 +11799,15 @@
           </a:stretch>
         </a:blipFill>
         <a:ln w="25400" cap="flat" cmpd="sng" algn="ctr">
-          <a:noFill/>
+          <a:solidFill>
+            <a:schemeClr val="lt1">
+              <a:alpha val="0"/>
+              <a:hueOff val="0"/>
+              <a:satOff val="0"/>
+              <a:lumOff val="0"/>
+              <a:alphaOff val="0"/>
+            </a:schemeClr>
+          </a:solidFill>
           <a:prstDash val="solid"/>
         </a:ln>
         <a:effectLst/>
@@ -11762,15 +11827,15 @@
         </a:fontRef>
       </dsp:style>
     </dsp:sp>
-    <dsp:sp modelId="{E569349B-C00E-456A-8A18-991ACCB3E7D9}">
+    <dsp:sp modelId="{16B6B3BA-3E06-4371-BF99-80770BC5F9A9}">
       <dsp:nvSpPr>
         <dsp:cNvPr id="0" name=""/>
         <dsp:cNvSpPr/>
       </dsp:nvSpPr>
       <dsp:spPr>
         <a:xfrm>
-          <a:off x="16115" y="2633938"/>
-          <a:ext cx="3611250" cy="720000"/>
+          <a:off x="1368285" y="641692"/>
+          <a:ext cx="6518414" cy="1184662"/>
         </a:xfrm>
         <a:prstGeom prst="rect">
           <a:avLst/>
@@ -11794,12 +11859,12 @@
         <a:fontRef idx="minor"/>
       </dsp:style>
       <dsp:txBody>
-        <a:bodyPr spcFirstLastPara="0" vert="horz" wrap="square" lIns="0" tIns="0" rIns="0" bIns="0" numCol="1" spcCol="1270" anchor="t" anchorCtr="0">
+        <a:bodyPr spcFirstLastPara="0" vert="horz" wrap="square" lIns="125377" tIns="125377" rIns="125377" bIns="125377" numCol="1" spcCol="1270" anchor="ctr" anchorCtr="0">
           <a:noAutofit/>
         </a:bodyPr>
         <a:lstStyle/>
         <a:p>
-          <a:pPr marL="0" lvl="0" indent="0" algn="ctr" defTabSz="844550">
+          <a:pPr marL="0" lvl="0" indent="0" algn="l" defTabSz="666750">
             <a:lnSpc>
               <a:spcPct val="100000"/>
             </a:lnSpc>
@@ -11812,25 +11877,72 @@
             <a:buNone/>
           </a:pPr>
           <a:r>
-            <a:rPr lang="en-US" sz="1900" kern="1200"/>
-            <a:t>联系我们：support@walrusmovie.com</a:t>
+            <a:rPr lang="en-US" sz="1500" kern="1200"/>
+            <a:t>联系我们：</a:t>
           </a:r>
+          <a:r>
+            <a:rPr lang="en" altLang="zh-CN" sz="1500" kern="1200"/>
+            <a:t>bc443995@gmail.com</a:t>
+          </a:r>
+          <a:endParaRPr lang="en-US" sz="1500" kern="1200"/>
         </a:p>
       </dsp:txBody>
       <dsp:txXfrm>
-        <a:off x="16115" y="2633938"/>
-        <a:ext cx="3611250" cy="720000"/>
+        <a:off x="1368285" y="641692"/>
+        <a:ext cx="6518414" cy="1184662"/>
       </dsp:txXfrm>
     </dsp:sp>
-    <dsp:sp modelId="{35FD76FA-13C6-4C12-99BD-CD8514B569D8}">
+    <dsp:sp modelId="{4CA309F3-02A0-44AD-80B7-2368ADB3C096}">
       <dsp:nvSpPr>
         <dsp:cNvPr id="0" name=""/>
         <dsp:cNvSpPr/>
       </dsp:nvSpPr>
       <dsp:spPr>
         <a:xfrm>
-          <a:off x="5252428" y="594937"/>
-          <a:ext cx="1625062" cy="1625062"/>
+          <a:off x="0" y="2122520"/>
+          <a:ext cx="7886700" cy="1184662"/>
+        </a:xfrm>
+        <a:prstGeom prst="roundRect">
+          <a:avLst>
+            <a:gd name="adj" fmla="val 10000"/>
+          </a:avLst>
+        </a:prstGeom>
+        <a:solidFill>
+          <a:schemeClr val="bg1">
+            <a:lumMod val="95000"/>
+            <a:hueOff val="0"/>
+            <a:satOff val="0"/>
+            <a:lumOff val="0"/>
+            <a:alphaOff val="0"/>
+          </a:schemeClr>
+        </a:solidFill>
+        <a:ln>
+          <a:noFill/>
+        </a:ln>
+        <a:effectLst/>
+      </dsp:spPr>
+      <dsp:style>
+        <a:lnRef idx="0">
+          <a:scrgbClr r="0" g="0" b="0"/>
+        </a:lnRef>
+        <a:fillRef idx="1">
+          <a:scrgbClr r="0" g="0" b="0"/>
+        </a:fillRef>
+        <a:effectRef idx="0">
+          <a:scrgbClr r="0" g="0" b="0"/>
+        </a:effectRef>
+        <a:fontRef idx="minor"/>
+      </dsp:style>
+    </dsp:sp>
+    <dsp:sp modelId="{243A73FE-6D4E-408D-97FF-7471179B8658}">
+      <dsp:nvSpPr>
+        <dsp:cNvPr id="0" name=""/>
+        <dsp:cNvSpPr/>
+      </dsp:nvSpPr>
+      <dsp:spPr>
+        <a:xfrm>
+          <a:off x="358360" y="2389069"/>
+          <a:ext cx="651564" cy="651564"/>
         </a:xfrm>
         <a:prstGeom prst="rect">
           <a:avLst/>
@@ -11851,7 +11963,15 @@
           </a:stretch>
         </a:blipFill>
         <a:ln w="25400" cap="flat" cmpd="sng" algn="ctr">
-          <a:noFill/>
+          <a:solidFill>
+            <a:schemeClr val="lt1">
+              <a:alpha val="0"/>
+              <a:hueOff val="0"/>
+              <a:satOff val="0"/>
+              <a:lumOff val="0"/>
+              <a:alphaOff val="0"/>
+            </a:schemeClr>
+          </a:solidFill>
           <a:prstDash val="solid"/>
         </a:ln>
         <a:effectLst/>
@@ -11871,15 +11991,15 @@
         </a:fontRef>
       </dsp:style>
     </dsp:sp>
-    <dsp:sp modelId="{11DB9DF4-4CCB-4C1E-B305-7819E14DDE91}">
+    <dsp:sp modelId="{79B93B68-E274-44C8-86EC-55F9522A247C}">
       <dsp:nvSpPr>
         <dsp:cNvPr id="0" name=""/>
         <dsp:cNvSpPr/>
       </dsp:nvSpPr>
       <dsp:spPr>
         <a:xfrm>
-          <a:off x="4259334" y="2633938"/>
-          <a:ext cx="3611250" cy="720000"/>
+          <a:off x="1368285" y="2122520"/>
+          <a:ext cx="6518414" cy="1184662"/>
         </a:xfrm>
         <a:prstGeom prst="rect">
           <a:avLst/>
@@ -11903,12 +12023,12 @@
         <a:fontRef idx="minor"/>
       </dsp:style>
       <dsp:txBody>
-        <a:bodyPr spcFirstLastPara="0" vert="horz" wrap="square" lIns="0" tIns="0" rIns="0" bIns="0" numCol="1" spcCol="1270" anchor="t" anchorCtr="0">
+        <a:bodyPr spcFirstLastPara="0" vert="horz" wrap="square" lIns="125377" tIns="125377" rIns="125377" bIns="125377" numCol="1" spcCol="1270" anchor="ctr" anchorCtr="0">
           <a:noAutofit/>
         </a:bodyPr>
         <a:lstStyle/>
         <a:p>
-          <a:pPr marL="0" lvl="0" indent="0" algn="ctr" defTabSz="844550">
+          <a:pPr marL="0" lvl="0" indent="0" algn="l" defTabSz="666750">
             <a:lnSpc>
               <a:spcPct val="100000"/>
             </a:lnSpc>
@@ -11921,14 +12041,19 @@
             <a:buNone/>
           </a:pPr>
           <a:r>
-            <a:rPr lang="en-US" sz="1900" kern="1200"/>
-            <a:t>网站：www.walrusmovie.com</a:t>
+            <a:rPr lang="en-US" sz="1500" kern="1200"/>
+            <a:t>网站：</a:t>
           </a:r>
+          <a:r>
+            <a:rPr lang="en" altLang="zh-CN" sz="1500" kern="1200"/>
+            <a:t>https://5n4d5491bbcz4x37j1s09k9g620882qq85a3lrb3ygildq8xbo.walrus.site</a:t>
+          </a:r>
+          <a:endParaRPr lang="en-US" sz="1500" kern="1200"/>
         </a:p>
       </dsp:txBody>
       <dsp:txXfrm>
-        <a:off x="4259334" y="2633938"/>
-        <a:ext cx="3611250" cy="720000"/>
+        <a:off x="1368285" y="2122520"/>
+        <a:ext cx="6518414" cy="1184662"/>
       </dsp:txXfrm>
     </dsp:sp>
   </dsp:spTree>
@@ -13228,9 +13353,9 @@
 </file>
 
 <file path=ppt/diagrams/layout7.xml><?xml version="1.0" encoding="utf-8"?>
-<dgm:layoutDef xmlns:dgm="http://schemas.openxmlformats.org/drawingml/2006/diagram" xmlns:a="http://schemas.openxmlformats.org/drawingml/2006/main" uniqueId="urn:microsoft.com/office/officeart/2018/2/layout/IconLabelList">
-  <dgm:title val="Icon Label List"/>
-  <dgm:desc val="Use to show non-sequential or grouped chunks of information accompanied by a related visuals. Works best with icons or small pictures with short text captions."/>
+<dgm:layoutDef xmlns:dgm="http://schemas.openxmlformats.org/drawingml/2006/diagram" xmlns:a="http://schemas.openxmlformats.org/drawingml/2006/main" uniqueId="urn:microsoft.com/office/officeart/2018/2/layout/IconVerticalSolidList">
+  <dgm:title val="Icon Vertical Solid List"/>
+  <dgm:desc val="Use to show a series of visuals from top to bottom with Level 1 or Level 1 and Level 2 text grouped in a shape. Works best with icons or small pictures with lengthier descriptions."/>
   <dgm:catLst>
     <dgm:cat type="icon" pri="500"/>
   </dgm:catLst>
@@ -13262,23 +13387,15 @@
     </dgm:varLst>
     <dgm:choose name="Name0">
       <dgm:if name="Name1" axis="self" func="var" arg="dir" op="equ" val="norm">
-        <dgm:alg type="snake">
-          <dgm:param type="grDir" val="tL"/>
-          <dgm:param type="flowDir" val="row"/>
-          <dgm:param type="contDir" val="sameDir"/>
-          <dgm:param type="off" val="ctr"/>
-          <dgm:param type="vertAlign" val="mid"/>
-          <dgm:param type="horzAlign" val="ctr"/>
+        <dgm:alg type="lin">
+          <dgm:param type="linDir" val="fromT"/>
+          <dgm:param type="nodeHorzAlign" val="l"/>
         </dgm:alg>
       </dgm:if>
       <dgm:else name="Name2">
-        <dgm:alg type="snake">
-          <dgm:param type="grDir" val="tR"/>
-          <dgm:param type="flowDir" val="row"/>
-          <dgm:param type="contDir" val="sameDir"/>
-          <dgm:param type="off" val="ctr"/>
-          <dgm:param type="vertAlign" val="mid"/>
-          <dgm:param type="horzAlign" val="ctr"/>
+        <dgm:alg type="lin">
+          <dgm:param type="linDir" val="fromT"/>
+          <dgm:param type="nodeHorzAlign" val="r"/>
         </dgm:alg>
       </dgm:else>
     </dgm:choose>
@@ -13287,67 +13404,139 @@
     </dgm:shape>
     <dgm:presOf/>
     <dgm:choose name="Name3">
-      <dgm:if name="Name4" axis="ch" ptType="node" func="cnt" op="lte" val="2">
+      <dgm:if name="Name4" axis="ch" ptType="node" func="cnt" op="lte" val="3">
         <dgm:constrLst>
-          <dgm:constr type="h" for="ch" forName="compNode" refType="h" fact="0.4"/>
-          <dgm:constr type="w" for="ch" forName="compNode" val="120"/>
-          <dgm:constr type="w" for="ch" forName="sibTrans" refType="w" refFor="ch" refForName="compNode" fact="0.175"/>
-          <dgm:constr type="sp" refType="w" refFor="ch" refForName="compNode" op="equ" fact="0.25"/>
-          <dgm:constr type="primFontSz" for="des" ptType="node" op="equ" val="50"/>
+          <dgm:constr type="h" for="ch" forName="compNode" refType="h" fact="0.3"/>
+          <dgm:constr type="w" for="ch" forName="compNode" refType="w"/>
+          <dgm:constr type="h" for="ch" forName="sibTrans" refType="h" refFor="ch" refForName="compNode" fact="0.25"/>
+          <dgm:constr type="primFontSz" for="des" forName="parTx" val="25"/>
+          <dgm:constr type="primFontSz" for="des" forName="desTx" refType="primFontSz" refFor="des" refForName="parTx" op="lte" fact="0.75"/>
           <dgm:constr type="h" for="des" forName="compNode" op="equ"/>
-          <dgm:constr type="h" for="des" forName="textRect" op="equ"/>
+          <dgm:constr type="h" for="des" forName="bgRect" op="equ"/>
+          <dgm:constr type="h" for="des" forName="iconRect" op="equ"/>
+          <dgm:constr type="w" for="des" forName="iconRect" op="equ"/>
+          <dgm:constr type="h" for="des" forName="spaceRect" op="equ"/>
+          <dgm:constr type="h" for="des" forName="parTx" op="equ"/>
+          <dgm:constr type="h" for="des" forName="desTx" op="equ"/>
         </dgm:constrLst>
       </dgm:if>
       <dgm:if name="Name5" axis="ch" ptType="node" func="cnt" op="lte" val="4">
         <dgm:constrLst>
-          <dgm:constr type="h" for="ch" forName="compNode" refType="h" fact="0.4"/>
+          <dgm:constr type="h" for="ch" forName="compNode" refType="h" fact="0.3"/>
           <dgm:constr type="w" for="ch" forName="compNode" refType="w"/>
-          <dgm:constr type="w" for="ch" forName="sibTrans" refType="w" refFor="ch" refForName="compNode" fact="0.175"/>
-          <dgm:constr type="sp" refType="w" refFor="ch" refForName="compNode" op="equ" fact="0.25"/>
-          <dgm:constr type="primFontSz" for="des" ptType="node" op="equ" val="36"/>
+          <dgm:constr type="h" for="ch" forName="sibTrans" refType="h" refFor="ch" refForName="compNode" fact="0.25"/>
+          <dgm:constr type="primFontSz" for="des" forName="parTx" val="22"/>
+          <dgm:constr type="primFontSz" for="des" forName="desTx" refType="primFontSz" refFor="des" refForName="parTx" op="lte" fact="0.75"/>
           <dgm:constr type="h" for="des" forName="compNode" op="equ"/>
-          <dgm:constr type="h" for="des" forName="textRect" op="equ"/>
+          <dgm:constr type="h" for="des" forName="bgRect" op="equ"/>
+          <dgm:constr type="h" for="des" forName="iconRect" op="equ"/>
+          <dgm:constr type="w" for="des" forName="iconRect" op="equ"/>
+          <dgm:constr type="h" for="des" forName="spaceRect" op="equ"/>
+          <dgm:constr type="h" for="des" forName="parTx" op="equ"/>
+          <dgm:constr type="h" for="des" forName="desTx" op="equ"/>
         </dgm:constrLst>
       </dgm:if>
-      <dgm:else name="Name6">
+      <dgm:if name="Name6" axis="ch" ptType="node" func="cnt" op="lte" val="6">
         <dgm:constrLst>
-          <dgm:constr type="h" for="ch" forName="compNode" refType="h" fact="0.4"/>
+          <dgm:constr type="h" for="ch" forName="compNode" refType="h" fact="0.3"/>
           <dgm:constr type="w" for="ch" forName="compNode" refType="w"/>
-          <dgm:constr type="w" for="ch" forName="sibTrans" refType="w" refFor="ch" refForName="compNode" fact="0.175"/>
-          <dgm:constr type="sp" refType="w" refFor="ch" refForName="compNode" op="equ" fact="0.25"/>
-          <dgm:constr type="primFontSz" for="des" ptType="node" op="equ" val="24"/>
+          <dgm:constr type="h" for="ch" forName="sibTrans" refType="h" refFor="ch" refForName="compNode" fact="0.25"/>
+          <dgm:constr type="primFontSz" for="des" forName="parTx" val="19"/>
+          <dgm:constr type="primFontSz" for="des" forName="desTx" refType="primFontSz" refFor="des" refForName="parTx" op="lte" fact="0.75"/>
           <dgm:constr type="h" for="des" forName="compNode" op="equ"/>
-          <dgm:constr type="h" for="des" forName="textRect" op="equ"/>
+          <dgm:constr type="h" for="des" forName="bgRect" op="equ"/>
+          <dgm:constr type="h" for="des" forName="iconRect" op="equ"/>
+          <dgm:constr type="w" for="des" forName="iconRect" op="equ"/>
+          <dgm:constr type="h" for="des" forName="spaceRect" op="equ"/>
+          <dgm:constr type="h" for="des" forName="parTx" op="equ"/>
+          <dgm:constr type="h" for="des" forName="desTx" op="equ"/>
+        </dgm:constrLst>
+      </dgm:if>
+      <dgm:else name="Name7">
+        <dgm:constrLst>
+          <dgm:constr type="h" for="ch" forName="compNode" refType="h" fact="0.3"/>
+          <dgm:constr type="w" for="ch" forName="compNode" refType="w"/>
+          <dgm:constr type="h" for="ch" forName="sibTrans" refType="h" refFor="ch" refForName="compNode" fact="0.25"/>
+          <dgm:constr type="primFontSz" for="des" forName="parTx" val="16"/>
+          <dgm:constr type="primFontSz" for="des" forName="desTx" refType="primFontSz" refFor="des" refForName="parTx" op="lte" fact="0.75"/>
+          <dgm:constr type="h" for="des" forName="compNode" op="equ"/>
+          <dgm:constr type="h" for="des" forName="bgRect" op="equ"/>
+          <dgm:constr type="h" for="des" forName="iconRect" op="equ"/>
+          <dgm:constr type="w" for="des" forName="iconRect" op="equ"/>
+          <dgm:constr type="h" for="des" forName="spaceRect" op="equ"/>
+          <dgm:constr type="h" for="des" forName="parTx" op="equ"/>
+          <dgm:constr type="h" for="des" forName="desTx" op="equ"/>
         </dgm:constrLst>
       </dgm:else>
     </dgm:choose>
     <dgm:ruleLst>
-      <dgm:rule type="w" for="ch" forName="compNode" val="50" fact="NaN" max="NaN"/>
+      <dgm:rule type="h" for="ch" forName="compNode" val="0" fact="NaN" max="NaN"/>
     </dgm:ruleLst>
-    <dgm:forEach name="Name7" axis="ch" ptType="node">
+    <dgm:forEach name="Name8" axis="ch" ptType="node">
       <dgm:layoutNode name="compNode">
         <dgm:alg type="composite"/>
         <dgm:shape xmlns:r="http://schemas.openxmlformats.org/officeDocument/2006/relationships" r:blip="">
           <dgm:adjLst/>
         </dgm:shape>
         <dgm:presOf axis="self"/>
-        <dgm:constrLst>
-          <dgm:constr type="w" for="ch" forName="iconRect" refType="w" fact="0.45"/>
-          <dgm:constr type="h" for="ch" forName="iconRect" refType="w" refFor="ch" refForName="iconRect"/>
-          <dgm:constr type="ctrX" for="ch" forName="iconRect" refType="w" fact="0.5"/>
-          <dgm:constr type="t" for="ch" forName="iconRect"/>
-          <dgm:constr type="h" for="ch" forName="spaceRect" refType="h" fact="0.15"/>
-          <dgm:constr type="w" for="ch" forName="spaceRect" refType="w"/>
-          <dgm:constr type="l" for="ch" forName="spaceRect"/>
-          <dgm:constr type="t" for="ch" forName="spaceRect" refType="b" refFor="ch" refForName="iconRect"/>
-          <dgm:constr type="h" for="ch" forName="textRect" val="20"/>
-          <dgm:constr type="w" for="ch" forName="textRect" refType="w"/>
-          <dgm:constr type="l" for="ch" forName="textRect"/>
-          <dgm:constr type="t" for="ch" forName="textRect" refType="b" refFor="ch" refForName="spaceRect"/>
-        </dgm:constrLst>
+        <dgm:choose name="Name9">
+          <dgm:if name="Name10" axis="ch" ptType="node" func="cnt" op="gte" val="1">
+            <dgm:constrLst>
+              <dgm:constr type="w" for="ch" forName="bgRect" refType="w"/>
+              <dgm:constr type="h" for="ch" forName="bgRect" refType="h"/>
+              <dgm:constr type="l" for="ch" forName="bgRect"/>
+              <dgm:constr type="t" for="ch" forName="bgRect"/>
+              <dgm:constr type="h" for="ch" forName="iconRect" refType="h" fact="0.55"/>
+              <dgm:constr type="w" for="ch" forName="iconRect" refType="h" refFor="ch" refForName="iconRect"/>
+              <dgm:constr type="l" for="ch" forName="iconRect" refType="h" refFor="ch" refForName="iconRect" fact="0.55"/>
+              <dgm:constr type="ctrY" for="ch" forName="iconRect" refType="ctrY" refFor="ch" refForName="bgRect"/>
+              <dgm:constr type="w" for="ch" forName="spaceRect" refType="l" refFor="ch" refForName="iconRect"/>
+              <dgm:constr type="h" for="ch" forName="spaceRect" refType="h"/>
+              <dgm:constr type="l" for="ch" forName="spaceRect" refType="r" refFor="ch" refForName="iconRect"/>
+              <dgm:constr type="t" for="ch" forName="spaceRect"/>
+              <dgm:constr type="w" for="ch" forName="parTx" refType="w" fact="0.45"/>
+              <dgm:constr type="h" for="ch" forName="parTx" refType="h"/>
+              <dgm:constr type="l" for="ch" forName="parTx" refType="r" refFor="ch" refForName="spaceRect"/>
+              <dgm:constr type="t" for="ch" forName="parTx"/>
+              <dgm:constr type="h" for="ch" forName="desTx" refType="h"/>
+              <dgm:constr type="l" for="ch" forName="desTx" refType="r" refFor="ch" refForName="parTx"/>
+              <dgm:constr type="t" for="ch" forName="desTx"/>
+            </dgm:constrLst>
+          </dgm:if>
+          <dgm:else name="Name11">
+            <dgm:constrLst>
+              <dgm:constr type="w" for="ch" forName="bgRect" refType="w"/>
+              <dgm:constr type="h" for="ch" forName="bgRect" refType="h"/>
+              <dgm:constr type="l" for="ch" forName="bgRect"/>
+              <dgm:constr type="t" for="ch" forName="bgRect"/>
+              <dgm:constr type="h" for="ch" forName="iconRect" refType="h" fact="0.55"/>
+              <dgm:constr type="w" for="ch" forName="iconRect" refType="h" refFor="ch" refForName="iconRect"/>
+              <dgm:constr type="l" for="ch" forName="iconRect" refType="h" refFor="ch" refForName="iconRect" fact="0.55"/>
+              <dgm:constr type="ctrY" for="ch" forName="iconRect" refType="ctrY" refFor="ch" refForName="bgRect"/>
+              <dgm:constr type="w" for="ch" forName="spaceRect" refType="l" refFor="ch" refForName="iconRect"/>
+              <dgm:constr type="h" for="ch" forName="spaceRect" refType="h"/>
+              <dgm:constr type="l" for="ch" forName="spaceRect" refType="r" refFor="ch" refForName="iconRect"/>
+              <dgm:constr type="t" for="ch" forName="spaceRect"/>
+              <dgm:constr type="h" for="ch" forName="parTx" refType="h"/>
+              <dgm:constr type="l" for="ch" forName="parTx" refType="r" refFor="ch" refForName="spaceRect"/>
+              <dgm:constr type="t" for="ch" forName="parTx"/>
+            </dgm:constrLst>
+          </dgm:else>
+        </dgm:choose>
         <dgm:ruleLst>
           <dgm:rule type="h" val="INF" fact="NaN" max="NaN"/>
         </dgm:ruleLst>
+        <dgm:layoutNode name="bgRect" styleLbl="bgShp">
+          <dgm:alg type="sp"/>
+          <dgm:shape xmlns:r="http://schemas.openxmlformats.org/officeDocument/2006/relationships" type="roundRect" r:blip="">
+            <dgm:adjLst>
+              <dgm:adj idx="1" val="0.1"/>
+            </dgm:adjLst>
+          </dgm:shape>
+          <dgm:presOf/>
+          <dgm:constrLst/>
+          <dgm:ruleLst/>
+        </dgm:layoutNode>
         <dgm:layoutNode name="iconRect" styleLbl="node1">
           <dgm:alg type="sp"/>
           <dgm:shape xmlns:r="http://schemas.openxmlformats.org/officeDocument/2006/relationships" type="rect" r:blip="" blipPhldr="1">
@@ -13366,31 +13555,66 @@
           <dgm:constrLst/>
           <dgm:ruleLst/>
         </dgm:layoutNode>
-        <dgm:layoutNode name="textRect" styleLbl="revTx">
+        <dgm:layoutNode name="parTx" styleLbl="revTx">
           <dgm:varLst>
-            <dgm:chMax val="1"/>
-            <dgm:chPref val="1"/>
+            <dgm:chMax val="0"/>
+            <dgm:chPref val="0"/>
           </dgm:varLst>
           <dgm:alg type="tx">
-            <dgm:param type="txAnchorVert" val="t"/>
+            <dgm:param type="txAnchorVert" val="mid"/>
+            <dgm:param type="parTxLTRAlign" val="l"/>
+            <dgm:param type="shpTxLTRAlignCh" val="l"/>
+            <dgm:param type="parTxRTLAlign" val="r"/>
+            <dgm:param type="shpTxRTLAlignCh" val="r"/>
           </dgm:alg>
           <dgm:shape xmlns:r="http://schemas.openxmlformats.org/officeDocument/2006/relationships" type="rect" r:blip="">
             <dgm:adjLst/>
           </dgm:shape>
           <dgm:presOf axis="self" ptType="node"/>
           <dgm:constrLst>
-            <dgm:constr type="lMarg"/>
-            <dgm:constr type="rMarg"/>
-            <dgm:constr type="tMarg"/>
-            <dgm:constr type="bMarg"/>
+            <dgm:constr type="lMarg" refType="h" fact="0.3"/>
+            <dgm:constr type="rMarg" refType="h" fact="0.3"/>
+            <dgm:constr type="tMarg" refType="h" fact="0.3"/>
+            <dgm:constr type="bMarg" refType="h" fact="0.3"/>
           </dgm:constrLst>
           <dgm:ruleLst>
-            <dgm:rule type="primFontSz" val="11" fact="NaN" max="NaN"/>
+            <dgm:rule type="primFontSz" val="14" fact="NaN" max="NaN"/>
             <dgm:rule type="h" val="INF" fact="NaN" max="NaN"/>
           </dgm:ruleLst>
         </dgm:layoutNode>
+        <dgm:choose name="Name12">
+          <dgm:if name="Name13" axis="ch" ptType="node" func="cnt" op="gte" val="1">
+            <dgm:layoutNode name="desTx" styleLbl="revTx">
+              <dgm:varLst/>
+              <dgm:alg type="tx">
+                <dgm:param type="txAnchorVertCh" val="mid"/>
+                <dgm:param type="parTxLTRAlign" val="l"/>
+                <dgm:param type="shpTxLTRAlignCh" val="l"/>
+                <dgm:param type="parTxRTLAlign" val="r"/>
+                <dgm:param type="shpTxRTLAlignCh" val="r"/>
+                <dgm:param type="stBulletLvl" val="0"/>
+              </dgm:alg>
+              <dgm:shape xmlns:r="http://schemas.openxmlformats.org/officeDocument/2006/relationships" type="rect" r:blip="">
+                <dgm:adjLst/>
+              </dgm:shape>
+              <dgm:presOf axis="des" ptType="node"/>
+              <dgm:constrLst>
+                <dgm:constr type="primFontSz" val="18"/>
+                <dgm:constr type="secFontSz" refType="primFontSz"/>
+                <dgm:constr type="lMarg" refType="h" fact="0.3"/>
+                <dgm:constr type="rMarg" refType="h" fact="0.3"/>
+                <dgm:constr type="tMarg" refType="h" fact="0.3"/>
+                <dgm:constr type="bMarg" refType="h" fact="0.3"/>
+              </dgm:constrLst>
+              <dgm:ruleLst>
+                <dgm:rule type="primFontSz" val="11" fact="NaN" max="NaN"/>
+              </dgm:ruleLst>
+            </dgm:layoutNode>
+          </dgm:if>
+          <dgm:else name="Name14"/>
+        </dgm:choose>
       </dgm:layoutNode>
-      <dgm:forEach name="Name8" axis="followSib" ptType="sibTrans" cnt="1">
+      <dgm:forEach name="Name15" axis="followSib" ptType="sibTrans" cnt="1">
         <dgm:layoutNode name="sibTrans">
           <dgm:alg type="sp"/>
           <dgm:shape xmlns:r="http://schemas.openxmlformats.org/officeDocument/2006/relationships" r:blip="">
@@ -13411,6 +13635,11 @@
             <a:spcPct val="100000"/>
           </a:lnSpc>
         </a:lvl1pPr>
+        <a:lvl2pPr>
+          <a:lnSpc>
+            <a:spcPct val="100000"/>
+          </a:lnSpc>
+        </a:lvl2pPr>
       </dgm1612:lstStyle>
     </a:ext>
   </dgm:extLst>
@@ -20834,7 +21063,7 @@
           <a:p>
             <a:fld id="{5BCAD085-E8A6-8845-BD4E-CB4CCA059FC4}" type="datetimeFigureOut">
               <a:rPr lang="en-US" smtClean="0"/>
-              <a:t>12/16/24</a:t>
+              <a:t>12/19/24</a:t>
             </a:fld>
             <a:endParaRPr lang="en-US"/>
           </a:p>
@@ -21002,7 +21231,7 @@
           <a:p>
             <a:fld id="{5BCAD085-E8A6-8845-BD4E-CB4CCA059FC4}" type="datetimeFigureOut">
               <a:rPr lang="en-US" smtClean="0"/>
-              <a:t>12/16/24</a:t>
+              <a:t>12/19/24</a:t>
             </a:fld>
             <a:endParaRPr lang="en-US"/>
           </a:p>
@@ -21180,7 +21409,7 @@
           <a:p>
             <a:fld id="{5BCAD085-E8A6-8845-BD4E-CB4CCA059FC4}" type="datetimeFigureOut">
               <a:rPr lang="en-US" smtClean="0"/>
-              <a:t>12/16/24</a:t>
+              <a:t>12/19/24</a:t>
             </a:fld>
             <a:endParaRPr lang="en-US"/>
           </a:p>
@@ -21348,7 +21577,7 @@
           <a:p>
             <a:fld id="{5BCAD085-E8A6-8845-BD4E-CB4CCA059FC4}" type="datetimeFigureOut">
               <a:rPr lang="en-US" smtClean="0"/>
-              <a:t>12/16/24</a:t>
+              <a:t>12/19/24</a:t>
             </a:fld>
             <a:endParaRPr lang="en-US"/>
           </a:p>
@@ -21593,7 +21822,7 @@
           <a:p>
             <a:fld id="{5BCAD085-E8A6-8845-BD4E-CB4CCA059FC4}" type="datetimeFigureOut">
               <a:rPr lang="en-US" smtClean="0"/>
-              <a:t>12/16/24</a:t>
+              <a:t>12/19/24</a:t>
             </a:fld>
             <a:endParaRPr lang="en-US"/>
           </a:p>
@@ -21878,7 +22107,7 @@
           <a:p>
             <a:fld id="{5BCAD085-E8A6-8845-BD4E-CB4CCA059FC4}" type="datetimeFigureOut">
               <a:rPr lang="en-US" smtClean="0"/>
-              <a:t>12/16/24</a:t>
+              <a:t>12/19/24</a:t>
             </a:fld>
             <a:endParaRPr lang="en-US"/>
           </a:p>
@@ -22297,7 +22526,7 @@
           <a:p>
             <a:fld id="{5BCAD085-E8A6-8845-BD4E-CB4CCA059FC4}" type="datetimeFigureOut">
               <a:rPr lang="en-US" smtClean="0"/>
-              <a:t>12/16/24</a:t>
+              <a:t>12/19/24</a:t>
             </a:fld>
             <a:endParaRPr lang="en-US"/>
           </a:p>
@@ -22414,7 +22643,7 @@
           <a:p>
             <a:fld id="{5BCAD085-E8A6-8845-BD4E-CB4CCA059FC4}" type="datetimeFigureOut">
               <a:rPr lang="en-US" smtClean="0"/>
-              <a:t>12/16/24</a:t>
+              <a:t>12/19/24</a:t>
             </a:fld>
             <a:endParaRPr lang="en-US"/>
           </a:p>
@@ -22509,7 +22738,7 @@
           <a:p>
             <a:fld id="{5BCAD085-E8A6-8845-BD4E-CB4CCA059FC4}" type="datetimeFigureOut">
               <a:rPr lang="en-US" smtClean="0"/>
-              <a:t>12/16/24</a:t>
+              <a:t>12/19/24</a:t>
             </a:fld>
             <a:endParaRPr lang="en-US"/>
           </a:p>
@@ -22784,7 +23013,7 @@
           <a:p>
             <a:fld id="{5BCAD085-E8A6-8845-BD4E-CB4CCA059FC4}" type="datetimeFigureOut">
               <a:rPr lang="en-US" smtClean="0"/>
-              <a:t>12/16/24</a:t>
+              <a:t>12/19/24</a:t>
             </a:fld>
             <a:endParaRPr lang="en-US"/>
           </a:p>
@@ -23036,7 +23265,7 @@
           <a:p>
             <a:fld id="{5BCAD085-E8A6-8845-BD4E-CB4CCA059FC4}" type="datetimeFigureOut">
               <a:rPr lang="en-US" smtClean="0"/>
-              <a:t>12/16/24</a:t>
+              <a:t>12/19/24</a:t>
             </a:fld>
             <a:endParaRPr lang="en-US"/>
           </a:p>
@@ -23247,7 +23476,7 @@
           <a:p>
             <a:fld id="{5BCAD085-E8A6-8845-BD4E-CB4CCA059FC4}" type="datetimeFigureOut">
               <a:rPr lang="en-US" smtClean="0"/>
-              <a:t>12/16/24</a:t>
+              <a:t>12/19/24</a:t>
             </a:fld>
             <a:endParaRPr lang="en-US"/>
           </a:p>
@@ -24799,6 +25028,647 @@
       <p:bldP spid="3" grpId="0" build="p"/>
     </p:bldLst>
   </p:timing>
+</p:sld>
+</file>
+
+<file path=ppt/slides/slide10.xml><?xml version="1.0" encoding="utf-8"?>
+<p:sld xmlns:a="http://schemas.openxmlformats.org/drawingml/2006/main" xmlns:r="http://schemas.openxmlformats.org/officeDocument/2006/relationships" xmlns:p="http://schemas.openxmlformats.org/presentationml/2006/main">
+  <p:cSld>
+    <p:bg>
+      <p:bgPr>
+        <a:solidFill>
+          <a:schemeClr val="bg1"/>
+        </a:solidFill>
+        <a:effectLst/>
+      </p:bgPr>
+    </p:bg>
+    <p:spTree>
+      <p:nvGrpSpPr>
+        <p:cNvPr id="1" name=""/>
+        <p:cNvGrpSpPr/>
+        <p:nvPr/>
+      </p:nvGrpSpPr>
+      <p:grpSpPr>
+        <a:xfrm>
+          <a:off x="0" y="0"/>
+          <a:ext cx="0" cy="0"/>
+          <a:chOff x="0" y="0"/>
+          <a:chExt cx="0" cy="0"/>
+        </a:xfrm>
+      </p:grpSpPr>
+      <p:sp useBgFill="1">
+        <p:nvSpPr>
+          <p:cNvPr id="9" name="Rectangle 8">
+            <a:extLst>
+              <a:ext uri="{FF2B5EF4-FFF2-40B4-BE49-F238E27FC236}">
+                <a16:creationId xmlns:a16="http://schemas.microsoft.com/office/drawing/2014/main" id="{35DB3719-6FDC-4E5D-891D-FF40B7300F64}"/>
+              </a:ext>
+              <a:ext uri="{C183D7F6-B498-43B3-948B-1728B52AA6E4}">
+                <adec:decorative xmlns:adec="http://schemas.microsoft.com/office/drawing/2017/decorative" val="1"/>
+              </a:ext>
+            </a:extLst>
+          </p:cNvPr>
+          <p:cNvSpPr>
+            <a:spLocks noGrp="1" noRot="1" noChangeAspect="1" noMove="1" noResize="1" noEditPoints="1" noAdjustHandles="1" noChangeArrowheads="1" noChangeShapeType="1" noTextEdit="1"/>
+          </p:cNvSpPr>
+          <p:nvPr>
+            <p:extLst>
+              <p:ext uri="{386F3935-93C4-4BCD-93E2-E3B085C9AB24}">
+                <p16:designElem xmlns:p16="http://schemas.microsoft.com/office/powerpoint/2015/main" val="1"/>
+              </p:ext>
+            </p:extLst>
+          </p:nvPr>
+        </p:nvSpPr>
+        <p:spPr>
+          <a:xfrm>
+            <a:off x="0" y="0"/>
+            <a:ext cx="9141714" cy="6858000"/>
+          </a:xfrm>
+          <a:prstGeom prst="rect">
+            <a:avLst/>
+          </a:prstGeom>
+          <a:ln>
+            <a:noFill/>
+          </a:ln>
+        </p:spPr>
+        <p:style>
+          <a:lnRef idx="2">
+            <a:schemeClr val="accent1">
+              <a:shade val="50000"/>
+            </a:schemeClr>
+          </a:lnRef>
+          <a:fillRef idx="1">
+            <a:schemeClr val="accent1"/>
+          </a:fillRef>
+          <a:effectRef idx="0">
+            <a:schemeClr val="accent1"/>
+          </a:effectRef>
+          <a:fontRef idx="minor">
+            <a:schemeClr val="lt1"/>
+          </a:fontRef>
+        </p:style>
+        <p:txBody>
+          <a:bodyPr rtlCol="0" anchor="ctr"/>
+          <a:lstStyle/>
+          <a:p>
+            <a:pPr algn="ctr"/>
+            <a:endParaRPr lang="en-US"/>
+          </a:p>
+        </p:txBody>
+      </p:sp>
+      <p:sp>
+        <p:nvSpPr>
+          <p:cNvPr id="2" name="Title 1"/>
+          <p:cNvSpPr>
+            <a:spLocks noGrp="1"/>
+          </p:cNvSpPr>
+          <p:nvPr>
+            <p:ph type="title"/>
+          </p:nvPr>
+        </p:nvSpPr>
+        <p:spPr>
+          <a:xfrm>
+            <a:off x="628650" y="365125"/>
+            <a:ext cx="7886700" cy="1325563"/>
+          </a:xfrm>
+        </p:spPr>
+        <p:txBody>
+          <a:bodyPr>
+            <a:normAutofit/>
+          </a:bodyPr>
+          <a:lstStyle/>
+          <a:p>
+            <a:r>
+              <a:rPr lang="zh-CN" altLang="en-US" sz="4700"/>
+              <a:t>感谢观看</a:t>
+            </a:r>
+          </a:p>
+        </p:txBody>
+      </p:sp>
+      <p:sp>
+        <p:nvSpPr>
+          <p:cNvPr id="11" name="sketch line">
+            <a:extLst>
+              <a:ext uri="{FF2B5EF4-FFF2-40B4-BE49-F238E27FC236}">
+                <a16:creationId xmlns:a16="http://schemas.microsoft.com/office/drawing/2014/main" id="{E0CBAC23-2E3F-4A90-BA59-F8299F6A5439}"/>
+              </a:ext>
+              <a:ext uri="{C183D7F6-B498-43B3-948B-1728B52AA6E4}">
+                <adec:decorative xmlns:adec="http://schemas.microsoft.com/office/drawing/2017/decorative" val="1"/>
+              </a:ext>
+            </a:extLst>
+          </p:cNvPr>
+          <p:cNvSpPr>
+            <a:spLocks noGrp="1" noRot="1" noChangeAspect="1" noMove="1" noResize="1" noEditPoints="1" noAdjustHandles="1" noChangeArrowheads="1" noChangeShapeType="1" noTextEdit="1"/>
+          </p:cNvSpPr>
+          <p:nvPr>
+            <p:extLst>
+              <p:ext uri="{386F3935-93C4-4BCD-93E2-E3B085C9AB24}">
+                <p16:designElem xmlns:p16="http://schemas.microsoft.com/office/powerpoint/2015/main" val="1"/>
+              </p:ext>
+            </p:extLst>
+          </p:nvPr>
+        </p:nvSpPr>
+        <p:spPr>
+          <a:xfrm>
+            <a:off x="628650" y="1865313"/>
+            <a:ext cx="7818120" cy="18288"/>
+          </a:xfrm>
+          <a:custGeom>
+            <a:avLst/>
+            <a:gdLst>
+              <a:gd name="connsiteX0" fmla="*/ 0 w 7818120"/>
+              <a:gd name="connsiteY0" fmla="*/ 0 h 18288"/>
+              <a:gd name="connsiteX1" fmla="*/ 416966 w 7818120"/>
+              <a:gd name="connsiteY1" fmla="*/ 0 h 18288"/>
+              <a:gd name="connsiteX2" fmla="*/ 1146658 w 7818120"/>
+              <a:gd name="connsiteY2" fmla="*/ 0 h 18288"/>
+              <a:gd name="connsiteX3" fmla="*/ 1563624 w 7818120"/>
+              <a:gd name="connsiteY3" fmla="*/ 0 h 18288"/>
+              <a:gd name="connsiteX4" fmla="*/ 2136953 w 7818120"/>
+              <a:gd name="connsiteY4" fmla="*/ 0 h 18288"/>
+              <a:gd name="connsiteX5" fmla="*/ 2944825 w 7818120"/>
+              <a:gd name="connsiteY5" fmla="*/ 0 h 18288"/>
+              <a:gd name="connsiteX6" fmla="*/ 3596335 w 7818120"/>
+              <a:gd name="connsiteY6" fmla="*/ 0 h 18288"/>
+              <a:gd name="connsiteX7" fmla="*/ 4326026 w 7818120"/>
+              <a:gd name="connsiteY7" fmla="*/ 0 h 18288"/>
+              <a:gd name="connsiteX8" fmla="*/ 4899355 w 7818120"/>
+              <a:gd name="connsiteY8" fmla="*/ 0 h 18288"/>
+              <a:gd name="connsiteX9" fmla="*/ 5550865 w 7818120"/>
+              <a:gd name="connsiteY9" fmla="*/ 0 h 18288"/>
+              <a:gd name="connsiteX10" fmla="*/ 6358738 w 7818120"/>
+              <a:gd name="connsiteY10" fmla="*/ 0 h 18288"/>
+              <a:gd name="connsiteX11" fmla="*/ 6853885 w 7818120"/>
+              <a:gd name="connsiteY11" fmla="*/ 0 h 18288"/>
+              <a:gd name="connsiteX12" fmla="*/ 7818120 w 7818120"/>
+              <a:gd name="connsiteY12" fmla="*/ 0 h 18288"/>
+              <a:gd name="connsiteX13" fmla="*/ 7818120 w 7818120"/>
+              <a:gd name="connsiteY13" fmla="*/ 18288 h 18288"/>
+              <a:gd name="connsiteX14" fmla="*/ 7244791 w 7818120"/>
+              <a:gd name="connsiteY14" fmla="*/ 18288 h 18288"/>
+              <a:gd name="connsiteX15" fmla="*/ 6827825 w 7818120"/>
+              <a:gd name="connsiteY15" fmla="*/ 18288 h 18288"/>
+              <a:gd name="connsiteX16" fmla="*/ 6176315 w 7818120"/>
+              <a:gd name="connsiteY16" fmla="*/ 18288 h 18288"/>
+              <a:gd name="connsiteX17" fmla="*/ 5681167 w 7818120"/>
+              <a:gd name="connsiteY17" fmla="*/ 18288 h 18288"/>
+              <a:gd name="connsiteX18" fmla="*/ 5029657 w 7818120"/>
+              <a:gd name="connsiteY18" fmla="*/ 18288 h 18288"/>
+              <a:gd name="connsiteX19" fmla="*/ 4378147 w 7818120"/>
+              <a:gd name="connsiteY19" fmla="*/ 18288 h 18288"/>
+              <a:gd name="connsiteX20" fmla="*/ 3726637 w 7818120"/>
+              <a:gd name="connsiteY20" fmla="*/ 18288 h 18288"/>
+              <a:gd name="connsiteX21" fmla="*/ 3075127 w 7818120"/>
+              <a:gd name="connsiteY21" fmla="*/ 18288 h 18288"/>
+              <a:gd name="connsiteX22" fmla="*/ 2501798 w 7818120"/>
+              <a:gd name="connsiteY22" fmla="*/ 18288 h 18288"/>
+              <a:gd name="connsiteX23" fmla="*/ 1772107 w 7818120"/>
+              <a:gd name="connsiteY23" fmla="*/ 18288 h 18288"/>
+              <a:gd name="connsiteX24" fmla="*/ 1120597 w 7818120"/>
+              <a:gd name="connsiteY24" fmla="*/ 18288 h 18288"/>
+              <a:gd name="connsiteX25" fmla="*/ 0 w 7818120"/>
+              <a:gd name="connsiteY25" fmla="*/ 18288 h 18288"/>
+              <a:gd name="connsiteX26" fmla="*/ 0 w 7818120"/>
+              <a:gd name="connsiteY26" fmla="*/ 0 h 18288"/>
+            </a:gdLst>
+            <a:ahLst/>
+            <a:cxnLst>
+              <a:cxn ang="0">
+                <a:pos x="connsiteX0" y="connsiteY0"/>
+              </a:cxn>
+              <a:cxn ang="0">
+                <a:pos x="connsiteX1" y="connsiteY1"/>
+              </a:cxn>
+              <a:cxn ang="0">
+                <a:pos x="connsiteX2" y="connsiteY2"/>
+              </a:cxn>
+              <a:cxn ang="0">
+                <a:pos x="connsiteX3" y="connsiteY3"/>
+              </a:cxn>
+              <a:cxn ang="0">
+                <a:pos x="connsiteX4" y="connsiteY4"/>
+              </a:cxn>
+              <a:cxn ang="0">
+                <a:pos x="connsiteX5" y="connsiteY5"/>
+              </a:cxn>
+              <a:cxn ang="0">
+                <a:pos x="connsiteX6" y="connsiteY6"/>
+              </a:cxn>
+              <a:cxn ang="0">
+                <a:pos x="connsiteX7" y="connsiteY7"/>
+              </a:cxn>
+              <a:cxn ang="0">
+                <a:pos x="connsiteX8" y="connsiteY8"/>
+              </a:cxn>
+              <a:cxn ang="0">
+                <a:pos x="connsiteX9" y="connsiteY9"/>
+              </a:cxn>
+              <a:cxn ang="0">
+                <a:pos x="connsiteX10" y="connsiteY10"/>
+              </a:cxn>
+              <a:cxn ang="0">
+                <a:pos x="connsiteX11" y="connsiteY11"/>
+              </a:cxn>
+              <a:cxn ang="0">
+                <a:pos x="connsiteX12" y="connsiteY12"/>
+              </a:cxn>
+              <a:cxn ang="0">
+                <a:pos x="connsiteX13" y="connsiteY13"/>
+              </a:cxn>
+              <a:cxn ang="0">
+                <a:pos x="connsiteX14" y="connsiteY14"/>
+              </a:cxn>
+              <a:cxn ang="0">
+                <a:pos x="connsiteX15" y="connsiteY15"/>
+              </a:cxn>
+              <a:cxn ang="0">
+                <a:pos x="connsiteX16" y="connsiteY16"/>
+              </a:cxn>
+              <a:cxn ang="0">
+                <a:pos x="connsiteX17" y="connsiteY17"/>
+              </a:cxn>
+              <a:cxn ang="0">
+                <a:pos x="connsiteX18" y="connsiteY18"/>
+              </a:cxn>
+              <a:cxn ang="0">
+                <a:pos x="connsiteX19" y="connsiteY19"/>
+              </a:cxn>
+              <a:cxn ang="0">
+                <a:pos x="connsiteX20" y="connsiteY20"/>
+              </a:cxn>
+              <a:cxn ang="0">
+                <a:pos x="connsiteX21" y="connsiteY21"/>
+              </a:cxn>
+              <a:cxn ang="0">
+                <a:pos x="connsiteX22" y="connsiteY22"/>
+              </a:cxn>
+              <a:cxn ang="0">
+                <a:pos x="connsiteX23" y="connsiteY23"/>
+              </a:cxn>
+              <a:cxn ang="0">
+                <a:pos x="connsiteX24" y="connsiteY24"/>
+              </a:cxn>
+              <a:cxn ang="0">
+                <a:pos x="connsiteX25" y="connsiteY25"/>
+              </a:cxn>
+              <a:cxn ang="0">
+                <a:pos x="connsiteX26" y="connsiteY26"/>
+              </a:cxn>
+            </a:cxnLst>
+            <a:rect l="l" t="t" r="r" b="b"/>
+            <a:pathLst>
+              <a:path w="7818120" h="18288" fill="none" extrusionOk="0">
+                <a:moveTo>
+                  <a:pt x="0" y="0"/>
+                </a:moveTo>
+                <a:cubicBezTo>
+                  <a:pt x="121520" y="-12182"/>
+                  <a:pt x="211324" y="18247"/>
+                  <a:pt x="416966" y="0"/>
+                </a:cubicBezTo>
+                <a:cubicBezTo>
+                  <a:pt x="622608" y="-18247"/>
+                  <a:pt x="891241" y="-13744"/>
+                  <a:pt x="1146658" y="0"/>
+                </a:cubicBezTo>
+                <a:cubicBezTo>
+                  <a:pt x="1402075" y="13744"/>
+                  <a:pt x="1378880" y="-8543"/>
+                  <a:pt x="1563624" y="0"/>
+                </a:cubicBezTo>
+                <a:cubicBezTo>
+                  <a:pt x="1748368" y="8543"/>
+                  <a:pt x="1972300" y="7443"/>
+                  <a:pt x="2136953" y="0"/>
+                </a:cubicBezTo>
+                <a:cubicBezTo>
+                  <a:pt x="2301606" y="-7443"/>
+                  <a:pt x="2679634" y="12382"/>
+                  <a:pt x="2944825" y="0"/>
+                </a:cubicBezTo>
+                <a:cubicBezTo>
+                  <a:pt x="3210016" y="-12382"/>
+                  <a:pt x="3409232" y="17967"/>
+                  <a:pt x="3596335" y="0"/>
+                </a:cubicBezTo>
+                <a:cubicBezTo>
+                  <a:pt x="3783438" y="-17967"/>
+                  <a:pt x="4002523" y="-28578"/>
+                  <a:pt x="4326026" y="0"/>
+                </a:cubicBezTo>
+                <a:cubicBezTo>
+                  <a:pt x="4649529" y="28578"/>
+                  <a:pt x="4777384" y="-3624"/>
+                  <a:pt x="4899355" y="0"/>
+                </a:cubicBezTo>
+                <a:cubicBezTo>
+                  <a:pt x="5021326" y="3624"/>
+                  <a:pt x="5317653" y="1281"/>
+                  <a:pt x="5550865" y="0"/>
+                </a:cubicBezTo>
+                <a:cubicBezTo>
+                  <a:pt x="5784077" y="-1281"/>
+                  <a:pt x="6142956" y="-39637"/>
+                  <a:pt x="6358738" y="0"/>
+                </a:cubicBezTo>
+                <a:cubicBezTo>
+                  <a:pt x="6574520" y="39637"/>
+                  <a:pt x="6724785" y="-4460"/>
+                  <a:pt x="6853885" y="0"/>
+                </a:cubicBezTo>
+                <a:cubicBezTo>
+                  <a:pt x="6982985" y="4460"/>
+                  <a:pt x="7403044" y="-1955"/>
+                  <a:pt x="7818120" y="0"/>
+                </a:cubicBezTo>
+                <a:cubicBezTo>
+                  <a:pt x="7817988" y="7702"/>
+                  <a:pt x="7817908" y="13511"/>
+                  <a:pt x="7818120" y="18288"/>
+                </a:cubicBezTo>
+                <a:cubicBezTo>
+                  <a:pt x="7698847" y="-3267"/>
+                  <a:pt x="7390924" y="22979"/>
+                  <a:pt x="7244791" y="18288"/>
+                </a:cubicBezTo>
+                <a:cubicBezTo>
+                  <a:pt x="7098658" y="13597"/>
+                  <a:pt x="6952735" y="29357"/>
+                  <a:pt x="6827825" y="18288"/>
+                </a:cubicBezTo>
+                <a:cubicBezTo>
+                  <a:pt x="6702915" y="7219"/>
+                  <a:pt x="6338661" y="34530"/>
+                  <a:pt x="6176315" y="18288"/>
+                </a:cubicBezTo>
+                <a:cubicBezTo>
+                  <a:pt x="6013969" y="2047"/>
+                  <a:pt x="5850602" y="6362"/>
+                  <a:pt x="5681167" y="18288"/>
+                </a:cubicBezTo>
+                <a:cubicBezTo>
+                  <a:pt x="5511732" y="30214"/>
+                  <a:pt x="5312143" y="419"/>
+                  <a:pt x="5029657" y="18288"/>
+                </a:cubicBezTo>
+                <a:cubicBezTo>
+                  <a:pt x="4747171" y="36158"/>
+                  <a:pt x="4655062" y="30740"/>
+                  <a:pt x="4378147" y="18288"/>
+                </a:cubicBezTo>
+                <a:cubicBezTo>
+                  <a:pt x="4101232" y="5837"/>
+                  <a:pt x="4037646" y="44706"/>
+                  <a:pt x="3726637" y="18288"/>
+                </a:cubicBezTo>
+                <a:cubicBezTo>
+                  <a:pt x="3415628" y="-8130"/>
+                  <a:pt x="3321756" y="45507"/>
+                  <a:pt x="3075127" y="18288"/>
+                </a:cubicBezTo>
+                <a:cubicBezTo>
+                  <a:pt x="2828498" y="-8931"/>
+                  <a:pt x="2684733" y="14853"/>
+                  <a:pt x="2501798" y="18288"/>
+                </a:cubicBezTo>
+                <a:cubicBezTo>
+                  <a:pt x="2318863" y="21723"/>
+                  <a:pt x="2121844" y="-13013"/>
+                  <a:pt x="1772107" y="18288"/>
+                </a:cubicBezTo>
+                <a:cubicBezTo>
+                  <a:pt x="1422370" y="49589"/>
+                  <a:pt x="1431548" y="31666"/>
+                  <a:pt x="1120597" y="18288"/>
+                </a:cubicBezTo>
+                <a:cubicBezTo>
+                  <a:pt x="809646" y="4911"/>
+                  <a:pt x="246393" y="56240"/>
+                  <a:pt x="0" y="18288"/>
+                </a:cubicBezTo>
+                <a:cubicBezTo>
+                  <a:pt x="129" y="13298"/>
+                  <a:pt x="-675" y="6857"/>
+                  <a:pt x="0" y="0"/>
+                </a:cubicBezTo>
+                <a:close/>
+              </a:path>
+              <a:path w="7818120" h="18288" stroke="0" extrusionOk="0">
+                <a:moveTo>
+                  <a:pt x="0" y="0"/>
+                </a:moveTo>
+                <a:cubicBezTo>
+                  <a:pt x="177487" y="-4302"/>
+                  <a:pt x="287499" y="4997"/>
+                  <a:pt x="573329" y="0"/>
+                </a:cubicBezTo>
+                <a:cubicBezTo>
+                  <a:pt x="859159" y="-4997"/>
+                  <a:pt x="821965" y="-336"/>
+                  <a:pt x="990295" y="0"/>
+                </a:cubicBezTo>
+                <a:cubicBezTo>
+                  <a:pt x="1158625" y="336"/>
+                  <a:pt x="1587918" y="-4681"/>
+                  <a:pt x="1798168" y="0"/>
+                </a:cubicBezTo>
+                <a:cubicBezTo>
+                  <a:pt x="2008418" y="4681"/>
+                  <a:pt x="2088841" y="-2754"/>
+                  <a:pt x="2371496" y="0"/>
+                </a:cubicBezTo>
+                <a:cubicBezTo>
+                  <a:pt x="2654151" y="2754"/>
+                  <a:pt x="2701462" y="-24976"/>
+                  <a:pt x="2944825" y="0"/>
+                </a:cubicBezTo>
+                <a:cubicBezTo>
+                  <a:pt x="3188188" y="24976"/>
+                  <a:pt x="3511636" y="25407"/>
+                  <a:pt x="3752698" y="0"/>
+                </a:cubicBezTo>
+                <a:cubicBezTo>
+                  <a:pt x="3993760" y="-25407"/>
+                  <a:pt x="4107153" y="6432"/>
+                  <a:pt x="4247845" y="0"/>
+                </a:cubicBezTo>
+                <a:cubicBezTo>
+                  <a:pt x="4388537" y="-6432"/>
+                  <a:pt x="4835598" y="-5108"/>
+                  <a:pt x="5055718" y="0"/>
+                </a:cubicBezTo>
+                <a:cubicBezTo>
+                  <a:pt x="5275838" y="5108"/>
+                  <a:pt x="5461006" y="-24536"/>
+                  <a:pt x="5863590" y="0"/>
+                </a:cubicBezTo>
+                <a:cubicBezTo>
+                  <a:pt x="6266174" y="24536"/>
+                  <a:pt x="6355549" y="-19657"/>
+                  <a:pt x="6515100" y="0"/>
+                </a:cubicBezTo>
+                <a:cubicBezTo>
+                  <a:pt x="6674651" y="19657"/>
+                  <a:pt x="7275423" y="-57462"/>
+                  <a:pt x="7818120" y="0"/>
+                </a:cubicBezTo>
+                <a:cubicBezTo>
+                  <a:pt x="7818132" y="8833"/>
+                  <a:pt x="7818660" y="9830"/>
+                  <a:pt x="7818120" y="18288"/>
+                </a:cubicBezTo>
+                <a:cubicBezTo>
+                  <a:pt x="7610240" y="4606"/>
+                  <a:pt x="7521789" y="7721"/>
+                  <a:pt x="7401154" y="18288"/>
+                </a:cubicBezTo>
+                <a:cubicBezTo>
+                  <a:pt x="7280519" y="28855"/>
+                  <a:pt x="6930719" y="4225"/>
+                  <a:pt x="6593281" y="18288"/>
+                </a:cubicBezTo>
+                <a:cubicBezTo>
+                  <a:pt x="6255843" y="32351"/>
+                  <a:pt x="6286682" y="1162"/>
+                  <a:pt x="6098134" y="18288"/>
+                </a:cubicBezTo>
+                <a:cubicBezTo>
+                  <a:pt x="5909586" y="35414"/>
+                  <a:pt x="5602789" y="48596"/>
+                  <a:pt x="5446624" y="18288"/>
+                </a:cubicBezTo>
+                <a:cubicBezTo>
+                  <a:pt x="5290459" y="-12020"/>
+                  <a:pt x="4917039" y="21960"/>
+                  <a:pt x="4638751" y="18288"/>
+                </a:cubicBezTo>
+                <a:cubicBezTo>
+                  <a:pt x="4360463" y="14616"/>
+                  <a:pt x="4304690" y="5450"/>
+                  <a:pt x="3987241" y="18288"/>
+                </a:cubicBezTo>
+                <a:cubicBezTo>
+                  <a:pt x="3669792" y="31127"/>
+                  <a:pt x="3758742" y="32551"/>
+                  <a:pt x="3570275" y="18288"/>
+                </a:cubicBezTo>
+                <a:cubicBezTo>
+                  <a:pt x="3381808" y="4025"/>
+                  <a:pt x="3267153" y="36200"/>
+                  <a:pt x="3075127" y="18288"/>
+                </a:cubicBezTo>
+                <a:cubicBezTo>
+                  <a:pt x="2883101" y="376"/>
+                  <a:pt x="2665825" y="10973"/>
+                  <a:pt x="2267255" y="18288"/>
+                </a:cubicBezTo>
+                <a:cubicBezTo>
+                  <a:pt x="1868685" y="25603"/>
+                  <a:pt x="1884698" y="28410"/>
+                  <a:pt x="1615745" y="18288"/>
+                </a:cubicBezTo>
+                <a:cubicBezTo>
+                  <a:pt x="1346792" y="8167"/>
+                  <a:pt x="1320952" y="10430"/>
+                  <a:pt x="1120597" y="18288"/>
+                </a:cubicBezTo>
+                <a:cubicBezTo>
+                  <a:pt x="920242" y="26146"/>
+                  <a:pt x="556507" y="50790"/>
+                  <a:pt x="0" y="18288"/>
+                </a:cubicBezTo>
+                <a:cubicBezTo>
+                  <a:pt x="74" y="14054"/>
+                  <a:pt x="-46" y="6997"/>
+                  <a:pt x="0" y="0"/>
+                </a:cubicBezTo>
+                <a:close/>
+              </a:path>
+            </a:pathLst>
+          </a:custGeom>
+          <a:solidFill>
+            <a:schemeClr val="accent2"/>
+          </a:solidFill>
+          <a:ln w="41275" cap="rnd">
+            <a:solidFill>
+              <a:schemeClr val="accent2"/>
+            </a:solidFill>
+            <a:round/>
+            <a:extLst>
+              <a:ext uri="{C807C97D-BFC1-408E-A445-0C87EB9F89A2}">
+                <ask:lineSketchStyleProps xmlns:ask="http://schemas.microsoft.com/office/drawing/2018/sketchyshapes" sd="1219033472">
+                  <a:prstGeom prst="rect">
+                    <a:avLst/>
+                  </a:prstGeom>
+                  <ask:type>
+                    <ask:lineSketchFreehand/>
+                  </ask:type>
+                </ask:lineSketchStyleProps>
+              </a:ext>
+            </a:extLst>
+          </a:ln>
+        </p:spPr>
+        <p:style>
+          <a:lnRef idx="2">
+            <a:schemeClr val="accent1">
+              <a:shade val="50000"/>
+            </a:schemeClr>
+          </a:lnRef>
+          <a:fillRef idx="1">
+            <a:schemeClr val="accent1"/>
+          </a:fillRef>
+          <a:effectRef idx="0">
+            <a:schemeClr val="accent1"/>
+          </a:effectRef>
+          <a:fontRef idx="minor">
+            <a:schemeClr val="lt1"/>
+          </a:fontRef>
+        </p:style>
+        <p:txBody>
+          <a:bodyPr rtlCol="0" anchor="ctr"/>
+          <a:lstStyle/>
+          <a:p>
+            <a:pPr algn="ctr"/>
+            <a:endParaRPr lang="en-US"/>
+          </a:p>
+        </p:txBody>
+      </p:sp>
+      <p:graphicFrame>
+        <p:nvGraphicFramePr>
+          <p:cNvPr id="5" name="Content Placeholder 2">
+            <a:extLst>
+              <a:ext uri="{FF2B5EF4-FFF2-40B4-BE49-F238E27FC236}">
+                <a16:creationId xmlns:a16="http://schemas.microsoft.com/office/drawing/2014/main" id="{60ABED8B-FF49-56E7-52F4-AB5F299800C4}"/>
+              </a:ext>
+            </a:extLst>
+          </p:cNvPr>
+          <p:cNvGraphicFramePr>
+            <a:graphicFrameLocks noGrp="1"/>
+          </p:cNvGraphicFramePr>
+          <p:nvPr>
+            <p:ph idx="1"/>
+            <p:extLst>
+              <p:ext uri="{D42A27DB-BD31-4B8C-83A1-F6EECF244321}">
+                <p14:modId xmlns:p14="http://schemas.microsoft.com/office/powerpoint/2010/main" val="290394201"/>
+              </p:ext>
+            </p:extLst>
+          </p:nvPr>
+        </p:nvGraphicFramePr>
+        <p:xfrm>
+          <a:off x="628650" y="2228087"/>
+          <a:ext cx="7886700" cy="3948876"/>
+        </p:xfrm>
+        <a:graphic>
+          <a:graphicData uri="http://schemas.openxmlformats.org/drawingml/2006/diagram">
+            <dgm:relIds xmlns:dgm="http://schemas.openxmlformats.org/drawingml/2006/diagram" xmlns:r="http://schemas.openxmlformats.org/officeDocument/2006/relationships" r:dm="rId2" r:lo="rId3" r:qs="rId4" r:cs="rId5"/>
+          </a:graphicData>
+        </a:graphic>
+      </p:graphicFrame>
+    </p:spTree>
+  </p:cSld>
+  <p:clrMapOvr>
+    <a:masterClrMapping/>
+  </p:clrMapOvr>
 </p:sld>
 </file>
 
@@ -28190,6 +29060,409 @@
     </p:bg>
     <p:spTree>
       <p:nvGrpSpPr>
+        <p:cNvPr id="1" name="">
+          <a:extLst>
+            <a:ext uri="{FF2B5EF4-FFF2-40B4-BE49-F238E27FC236}">
+              <a16:creationId xmlns:a16="http://schemas.microsoft.com/office/drawing/2014/main" id="{31DE3BE7-DFF5-A129-7077-0E263810EFB2}"/>
+            </a:ext>
+          </a:extLst>
+        </p:cNvPr>
+        <p:cNvGrpSpPr/>
+        <p:nvPr/>
+      </p:nvGrpSpPr>
+      <p:grpSpPr>
+        <a:xfrm>
+          <a:off x="0" y="0"/>
+          <a:ext cx="0" cy="0"/>
+          <a:chOff x="0" y="0"/>
+          <a:chExt cx="0" cy="0"/>
+        </a:xfrm>
+      </p:grpSpPr>
+      <p:sp useBgFill="1">
+        <p:nvSpPr>
+          <p:cNvPr id="42" name="Rectangle 41">
+            <a:extLst>
+              <a:ext uri="{FF2B5EF4-FFF2-40B4-BE49-F238E27FC236}">
+                <a16:creationId xmlns:a16="http://schemas.microsoft.com/office/drawing/2014/main" id="{907EF6B7-1338-4443-8C46-6A318D952DFD}"/>
+              </a:ext>
+              <a:ext uri="{C183D7F6-B498-43B3-948B-1728B52AA6E4}">
+                <adec:decorative xmlns:adec="http://schemas.microsoft.com/office/drawing/2017/decorative" val="1"/>
+              </a:ext>
+            </a:extLst>
+          </p:cNvPr>
+          <p:cNvSpPr>
+            <a:spLocks noGrp="1" noRot="1" noChangeAspect="1" noMove="1" noResize="1" noEditPoints="1" noAdjustHandles="1" noChangeArrowheads="1" noChangeShapeType="1" noTextEdit="1"/>
+          </p:cNvSpPr>
+          <p:nvPr>
+            <p:extLst>
+              <p:ext uri="{386F3935-93C4-4BCD-93E2-E3B085C9AB24}">
+                <p16:designElem xmlns:p16="http://schemas.microsoft.com/office/powerpoint/2015/main" val="1"/>
+              </p:ext>
+            </p:extLst>
+          </p:nvPr>
+        </p:nvSpPr>
+        <p:spPr>
+          <a:xfrm>
+            <a:off x="2286" y="0"/>
+            <a:ext cx="9141714" cy="6858000"/>
+          </a:xfrm>
+          <a:prstGeom prst="rect">
+            <a:avLst/>
+          </a:prstGeom>
+          <a:ln>
+            <a:noFill/>
+          </a:ln>
+        </p:spPr>
+        <p:style>
+          <a:lnRef idx="2">
+            <a:schemeClr val="accent1">
+              <a:shade val="50000"/>
+            </a:schemeClr>
+          </a:lnRef>
+          <a:fillRef idx="1">
+            <a:schemeClr val="accent1"/>
+          </a:fillRef>
+          <a:effectRef idx="0">
+            <a:schemeClr val="accent1"/>
+          </a:effectRef>
+          <a:fontRef idx="minor">
+            <a:schemeClr val="lt1"/>
+          </a:fontRef>
+        </p:style>
+        <p:txBody>
+          <a:bodyPr rtlCol="0" anchor="ctr"/>
+          <a:lstStyle/>
+          <a:p>
+            <a:pPr algn="ctr"/>
+            <a:endParaRPr lang="en-US"/>
+          </a:p>
+        </p:txBody>
+      </p:sp>
+      <p:sp>
+        <p:nvSpPr>
+          <p:cNvPr id="44" name="Freeform: Shape 43">
+            <a:extLst>
+              <a:ext uri="{FF2B5EF4-FFF2-40B4-BE49-F238E27FC236}">
+                <a16:creationId xmlns:a16="http://schemas.microsoft.com/office/drawing/2014/main" id="{DAAE4CDD-124C-4DCF-9584-B6033B545DD5}"/>
+              </a:ext>
+              <a:ext uri="{C183D7F6-B498-43B3-948B-1728B52AA6E4}">
+                <adec:decorative xmlns:adec="http://schemas.microsoft.com/office/drawing/2017/decorative" val="1"/>
+              </a:ext>
+            </a:extLst>
+          </p:cNvPr>
+          <p:cNvSpPr>
+            <a:spLocks noGrp="1" noRot="1" noChangeAspect="1" noMove="1" noResize="1" noEditPoints="1" noAdjustHandles="1" noChangeArrowheads="1" noChangeShapeType="1" noTextEdit="1"/>
+          </p:cNvSpPr>
+          <p:nvPr>
+            <p:extLst>
+              <p:ext uri="{386F3935-93C4-4BCD-93E2-E3B085C9AB24}">
+                <p16:designElem xmlns:p16="http://schemas.microsoft.com/office/powerpoint/2015/main" val="1"/>
+              </p:ext>
+            </p:extLst>
+          </p:nvPr>
+        </p:nvSpPr>
+        <p:spPr>
+          <a:xfrm>
+            <a:off x="0" y="0"/>
+            <a:ext cx="3125454" cy="6858000"/>
+          </a:xfrm>
+          <a:custGeom>
+            <a:avLst/>
+            <a:gdLst>
+              <a:gd name="connsiteX0" fmla="*/ 0 w 4167271"/>
+              <a:gd name="connsiteY0" fmla="*/ 0 h 6858000"/>
+              <a:gd name="connsiteX1" fmla="*/ 2259550 w 4167271"/>
+              <a:gd name="connsiteY1" fmla="*/ 0 h 6858000"/>
+              <a:gd name="connsiteX2" fmla="*/ 2387803 w 4167271"/>
+              <a:gd name="connsiteY2" fmla="*/ 82222 h 6858000"/>
+              <a:gd name="connsiteX3" fmla="*/ 4167271 w 4167271"/>
+              <a:gd name="connsiteY3" fmla="*/ 3429000 h 6858000"/>
+              <a:gd name="connsiteX4" fmla="*/ 2387803 w 4167271"/>
+              <a:gd name="connsiteY4" fmla="*/ 6775779 h 6858000"/>
+              <a:gd name="connsiteX5" fmla="*/ 2259550 w 4167271"/>
+              <a:gd name="connsiteY5" fmla="*/ 6858000 h 6858000"/>
+              <a:gd name="connsiteX6" fmla="*/ 0 w 4167271"/>
+              <a:gd name="connsiteY6" fmla="*/ 6858000 h 6858000"/>
+            </a:gdLst>
+            <a:ahLst/>
+            <a:cxnLst>
+              <a:cxn ang="0">
+                <a:pos x="connsiteX0" y="connsiteY0"/>
+              </a:cxn>
+              <a:cxn ang="0">
+                <a:pos x="connsiteX1" y="connsiteY1"/>
+              </a:cxn>
+              <a:cxn ang="0">
+                <a:pos x="connsiteX2" y="connsiteY2"/>
+              </a:cxn>
+              <a:cxn ang="0">
+                <a:pos x="connsiteX3" y="connsiteY3"/>
+              </a:cxn>
+              <a:cxn ang="0">
+                <a:pos x="connsiteX4" y="connsiteY4"/>
+              </a:cxn>
+              <a:cxn ang="0">
+                <a:pos x="connsiteX5" y="connsiteY5"/>
+              </a:cxn>
+              <a:cxn ang="0">
+                <a:pos x="connsiteX6" y="connsiteY6"/>
+              </a:cxn>
+            </a:cxnLst>
+            <a:rect l="l" t="t" r="r" b="b"/>
+            <a:pathLst>
+              <a:path w="4167271" h="6858000">
+                <a:moveTo>
+                  <a:pt x="0" y="0"/>
+                </a:moveTo>
+                <a:lnTo>
+                  <a:pt x="2259550" y="0"/>
+                </a:lnTo>
+                <a:lnTo>
+                  <a:pt x="2387803" y="82222"/>
+                </a:lnTo>
+                <a:cubicBezTo>
+                  <a:pt x="3461407" y="807534"/>
+                  <a:pt x="4167271" y="2035835"/>
+                  <a:pt x="4167271" y="3429000"/>
+                </a:cubicBezTo>
+                <a:cubicBezTo>
+                  <a:pt x="4167271" y="4822165"/>
+                  <a:pt x="3461407" y="6050467"/>
+                  <a:pt x="2387803" y="6775779"/>
+                </a:cubicBezTo>
+                <a:lnTo>
+                  <a:pt x="2259550" y="6858000"/>
+                </a:lnTo>
+                <a:lnTo>
+                  <a:pt x="0" y="6858000"/>
+                </a:lnTo>
+                <a:close/>
+              </a:path>
+            </a:pathLst>
+          </a:custGeom>
+          <a:solidFill>
+            <a:schemeClr val="accent2"/>
+          </a:solidFill>
+          <a:ln>
+            <a:noFill/>
+          </a:ln>
+        </p:spPr>
+        <p:style>
+          <a:lnRef idx="2">
+            <a:schemeClr val="accent1">
+              <a:shade val="50000"/>
+            </a:schemeClr>
+          </a:lnRef>
+          <a:fillRef idx="1">
+            <a:schemeClr val="accent1"/>
+          </a:fillRef>
+          <a:effectRef idx="0">
+            <a:schemeClr val="accent1"/>
+          </a:effectRef>
+          <a:fontRef idx="minor">
+            <a:schemeClr val="lt1"/>
+          </a:fontRef>
+        </p:style>
+        <p:txBody>
+          <a:bodyPr rtlCol="0" anchor="ctr"/>
+          <a:lstStyle/>
+          <a:p>
+            <a:pPr algn="ctr"/>
+            <a:endParaRPr lang="en-US"/>
+          </a:p>
+        </p:txBody>
+      </p:sp>
+      <p:sp>
+        <p:nvSpPr>
+          <p:cNvPr id="2" name="Title 1">
+            <a:extLst>
+              <a:ext uri="{FF2B5EF4-FFF2-40B4-BE49-F238E27FC236}">
+                <a16:creationId xmlns:a16="http://schemas.microsoft.com/office/drawing/2014/main" id="{EA8C7060-3D68-8204-170F-94BFDA9783BE}"/>
+              </a:ext>
+            </a:extLst>
+          </p:cNvPr>
+          <p:cNvSpPr>
+            <a:spLocks noGrp="1"/>
+          </p:cNvSpPr>
+          <p:nvPr>
+            <p:ph type="title"/>
+          </p:nvPr>
+        </p:nvSpPr>
+        <p:spPr>
+          <a:xfrm>
+            <a:off x="515125" y="1153572"/>
+            <a:ext cx="1156020" cy="4461163"/>
+          </a:xfrm>
+        </p:spPr>
+        <p:txBody>
+          <a:bodyPr vert="horz" lIns="91440" tIns="45720" rIns="91440" bIns="45720" rtlCol="0">
+            <a:normAutofit/>
+          </a:bodyPr>
+          <a:lstStyle/>
+          <a:p>
+            <a:pPr defTabSz="914400"/>
+            <a:r>
+              <a:rPr lang="zh-CN" altLang="en-US" kern="1200">
+                <a:solidFill>
+                  <a:srgbClr val="FFFFFF"/>
+                </a:solidFill>
+                <a:latin typeface="+mj-lt"/>
+                <a:ea typeface="+mj-ea"/>
+                <a:cs typeface="+mj-cs"/>
+              </a:rPr>
+              <a:t>未来方向</a:t>
+            </a:r>
+          </a:p>
+        </p:txBody>
+      </p:sp>
+      <p:sp>
+        <p:nvSpPr>
+          <p:cNvPr id="46" name="Arc 45">
+            <a:extLst>
+              <a:ext uri="{FF2B5EF4-FFF2-40B4-BE49-F238E27FC236}">
+                <a16:creationId xmlns:a16="http://schemas.microsoft.com/office/drawing/2014/main" id="{081E4A58-353D-44AE-B2FC-2A74E2E400F7}"/>
+              </a:ext>
+              <a:ext uri="{C183D7F6-B498-43B3-948B-1728B52AA6E4}">
+                <adec:decorative xmlns:adec="http://schemas.microsoft.com/office/drawing/2017/decorative" val="1"/>
+              </a:ext>
+            </a:extLst>
+          </p:cNvPr>
+          <p:cNvSpPr>
+            <a:spLocks noGrp="1" noRot="1" noChangeAspect="1" noMove="1" noResize="1" noEditPoints="1" noAdjustHandles="1" noChangeArrowheads="1" noChangeShapeType="1" noTextEdit="1"/>
+          </p:cNvSpPr>
+          <p:nvPr>
+            <p:extLst>
+              <p:ext uri="{386F3935-93C4-4BCD-93E2-E3B085C9AB24}">
+                <p16:designElem xmlns:p16="http://schemas.microsoft.com/office/powerpoint/2015/main" val="1"/>
+              </p:ext>
+            </p:extLst>
+          </p:nvPr>
+        </p:nvSpPr>
+        <p:spPr>
+          <a:xfrm flipV="1">
+            <a:off x="5662801" y="2455479"/>
+            <a:ext cx="3062575" cy="4083433"/>
+          </a:xfrm>
+          <a:prstGeom prst="arc">
+            <a:avLst/>
+          </a:prstGeom>
+          <a:ln w="127000" cap="rnd">
+            <a:solidFill>
+              <a:schemeClr val="accent4"/>
+            </a:solidFill>
+            <a:prstDash val="dash"/>
+          </a:ln>
+        </p:spPr>
+        <p:style>
+          <a:lnRef idx="1">
+            <a:schemeClr val="accent1"/>
+          </a:lnRef>
+          <a:fillRef idx="0">
+            <a:schemeClr val="accent1"/>
+          </a:fillRef>
+          <a:effectRef idx="0">
+            <a:schemeClr val="accent1"/>
+          </a:effectRef>
+          <a:fontRef idx="minor">
+            <a:schemeClr val="tx1"/>
+          </a:fontRef>
+        </p:style>
+        <p:txBody>
+          <a:bodyPr rtlCol="0" anchor="ctr"/>
+          <a:lstStyle/>
+          <a:p>
+            <a:pPr algn="ctr"/>
+            <a:endParaRPr lang="en-US" dirty="0"/>
+          </a:p>
+        </p:txBody>
+      </p:sp>
+      <p:sp>
+        <p:nvSpPr>
+          <p:cNvPr id="3" name="Content Placeholder 2">
+            <a:extLst>
+              <a:ext uri="{FF2B5EF4-FFF2-40B4-BE49-F238E27FC236}">
+                <a16:creationId xmlns:a16="http://schemas.microsoft.com/office/drawing/2014/main" id="{6CC474DD-D4A0-07D3-4A20-7107A0610B27}"/>
+              </a:ext>
+            </a:extLst>
+          </p:cNvPr>
+          <p:cNvSpPr>
+            <a:spLocks noGrp="1"/>
+          </p:cNvSpPr>
+          <p:nvPr>
+            <p:ph idx="1"/>
+          </p:nvPr>
+        </p:nvSpPr>
+        <p:spPr>
+          <a:xfrm>
+            <a:off x="3335481" y="591344"/>
+            <a:ext cx="5179868" cy="5585619"/>
+          </a:xfrm>
+        </p:spPr>
+        <p:txBody>
+          <a:bodyPr vert="horz" lIns="91440" tIns="45720" rIns="91440" bIns="45720" rtlCol="0" anchor="ctr">
+            <a:normAutofit/>
+          </a:bodyPr>
+          <a:lstStyle/>
+          <a:p>
+            <a:pPr marL="0" indent="0" defTabSz="914400">
+              <a:spcBef>
+                <a:spcPts val="1000"/>
+              </a:spcBef>
+              <a:buNone/>
+            </a:pPr>
+            <a:r>
+              <a:rPr lang="zh-CN" altLang="en-US" kern="1200">
+                <a:latin typeface="+mn-lt"/>
+                <a:ea typeface="+mn-ea"/>
+                <a:cs typeface="+mn-cs"/>
+              </a:rPr>
+              <a:t>未来，平台会提供多元化支付方式来降低观众使用门槛。例如利用 </a:t>
+            </a:r>
+            <a:r>
+              <a:rPr lang="en-US" altLang="zh-CN" kern="1200">
+                <a:latin typeface="+mn-lt"/>
+                <a:ea typeface="+mn-ea"/>
+                <a:cs typeface="+mn-cs"/>
+              </a:rPr>
+              <a:t>Wormhole </a:t>
+            </a:r>
+            <a:r>
+              <a:rPr lang="zh-CN" altLang="en-US" kern="1200">
+                <a:latin typeface="+mn-lt"/>
+                <a:ea typeface="+mn-ea"/>
+                <a:cs typeface="+mn-cs"/>
+              </a:rPr>
+              <a:t>等跨链技术来支持多种主流加密货币支付，同时也可支持法币支付接口，帮助区块链新手轻松上手。其次，平台也会探索单集点播、会员模式等多种订阅方式来满足不同用户需求。</a:t>
+            </a:r>
+          </a:p>
+        </p:txBody>
+      </p:sp>
+    </p:spTree>
+    <p:extLst>
+      <p:ext uri="{BB962C8B-B14F-4D97-AF65-F5344CB8AC3E}">
+        <p14:creationId xmlns:p14="http://schemas.microsoft.com/office/powerpoint/2010/main" val="4176612338"/>
+      </p:ext>
+    </p:extLst>
+  </p:cSld>
+  <p:clrMapOvr>
+    <a:masterClrMapping/>
+  </p:clrMapOvr>
+</p:sld>
+</file>
+
+<file path=ppt/slides/slide9.xml><?xml version="1.0" encoding="utf-8"?>
+<p:sld xmlns:a="http://schemas.openxmlformats.org/drawingml/2006/main" xmlns:r="http://schemas.openxmlformats.org/officeDocument/2006/relationships" xmlns:p="http://schemas.openxmlformats.org/presentationml/2006/main">
+  <p:cSld>
+    <p:bg>
+      <p:bgPr>
+        <a:solidFill>
+          <a:schemeClr val="bg1"/>
+        </a:solidFill>
+        <a:effectLst/>
+      </p:bgPr>
+    </p:bg>
+    <p:spTree>
+      <p:nvGrpSpPr>
         <p:cNvPr id="1" name=""/>
         <p:cNvGrpSpPr/>
         <p:nvPr/>
@@ -29252,647 +30525,6 @@
           </a:p>
         </p:txBody>
       </p:sp>
-    </p:spTree>
-  </p:cSld>
-  <p:clrMapOvr>
-    <a:masterClrMapping/>
-  </p:clrMapOvr>
-</p:sld>
-</file>
-
-<file path=ppt/slides/slide9.xml><?xml version="1.0" encoding="utf-8"?>
-<p:sld xmlns:a="http://schemas.openxmlformats.org/drawingml/2006/main" xmlns:r="http://schemas.openxmlformats.org/officeDocument/2006/relationships" xmlns:p="http://schemas.openxmlformats.org/presentationml/2006/main">
-  <p:cSld>
-    <p:bg>
-      <p:bgPr>
-        <a:solidFill>
-          <a:schemeClr val="bg1"/>
-        </a:solidFill>
-        <a:effectLst/>
-      </p:bgPr>
-    </p:bg>
-    <p:spTree>
-      <p:nvGrpSpPr>
-        <p:cNvPr id="1" name=""/>
-        <p:cNvGrpSpPr/>
-        <p:nvPr/>
-      </p:nvGrpSpPr>
-      <p:grpSpPr>
-        <a:xfrm>
-          <a:off x="0" y="0"/>
-          <a:ext cx="0" cy="0"/>
-          <a:chOff x="0" y="0"/>
-          <a:chExt cx="0" cy="0"/>
-        </a:xfrm>
-      </p:grpSpPr>
-      <p:sp useBgFill="1">
-        <p:nvSpPr>
-          <p:cNvPr id="9" name="Rectangle 8">
-            <a:extLst>
-              <a:ext uri="{FF2B5EF4-FFF2-40B4-BE49-F238E27FC236}">
-                <a16:creationId xmlns:a16="http://schemas.microsoft.com/office/drawing/2014/main" id="{35DB3719-6FDC-4E5D-891D-FF40B7300F64}"/>
-              </a:ext>
-              <a:ext uri="{C183D7F6-B498-43B3-948B-1728B52AA6E4}">
-                <adec:decorative xmlns:adec="http://schemas.microsoft.com/office/drawing/2017/decorative" val="1"/>
-              </a:ext>
-            </a:extLst>
-          </p:cNvPr>
-          <p:cNvSpPr>
-            <a:spLocks noGrp="1" noRot="1" noChangeAspect="1" noMove="1" noResize="1" noEditPoints="1" noAdjustHandles="1" noChangeArrowheads="1" noChangeShapeType="1" noTextEdit="1"/>
-          </p:cNvSpPr>
-          <p:nvPr>
-            <p:extLst>
-              <p:ext uri="{386F3935-93C4-4BCD-93E2-E3B085C9AB24}">
-                <p16:designElem xmlns:p16="http://schemas.microsoft.com/office/powerpoint/2015/main" val="1"/>
-              </p:ext>
-            </p:extLst>
-          </p:nvPr>
-        </p:nvSpPr>
-        <p:spPr>
-          <a:xfrm>
-            <a:off x="0" y="0"/>
-            <a:ext cx="9141714" cy="6858000"/>
-          </a:xfrm>
-          <a:prstGeom prst="rect">
-            <a:avLst/>
-          </a:prstGeom>
-          <a:ln>
-            <a:noFill/>
-          </a:ln>
-        </p:spPr>
-        <p:style>
-          <a:lnRef idx="2">
-            <a:schemeClr val="accent1">
-              <a:shade val="50000"/>
-            </a:schemeClr>
-          </a:lnRef>
-          <a:fillRef idx="1">
-            <a:schemeClr val="accent1"/>
-          </a:fillRef>
-          <a:effectRef idx="0">
-            <a:schemeClr val="accent1"/>
-          </a:effectRef>
-          <a:fontRef idx="minor">
-            <a:schemeClr val="lt1"/>
-          </a:fontRef>
-        </p:style>
-        <p:txBody>
-          <a:bodyPr rtlCol="0" anchor="ctr"/>
-          <a:lstStyle/>
-          <a:p>
-            <a:pPr algn="ctr"/>
-            <a:endParaRPr lang="en-US"/>
-          </a:p>
-        </p:txBody>
-      </p:sp>
-      <p:sp>
-        <p:nvSpPr>
-          <p:cNvPr id="2" name="Title 1"/>
-          <p:cNvSpPr>
-            <a:spLocks noGrp="1"/>
-          </p:cNvSpPr>
-          <p:nvPr>
-            <p:ph type="title"/>
-          </p:nvPr>
-        </p:nvSpPr>
-        <p:spPr>
-          <a:xfrm>
-            <a:off x="628650" y="365125"/>
-            <a:ext cx="7886700" cy="1325563"/>
-          </a:xfrm>
-        </p:spPr>
-        <p:txBody>
-          <a:bodyPr>
-            <a:normAutofit/>
-          </a:bodyPr>
-          <a:lstStyle/>
-          <a:p>
-            <a:r>
-              <a:rPr lang="zh-CN" altLang="en-US" sz="4700"/>
-              <a:t>感谢观看</a:t>
-            </a:r>
-          </a:p>
-        </p:txBody>
-      </p:sp>
-      <p:sp>
-        <p:nvSpPr>
-          <p:cNvPr id="11" name="sketch line">
-            <a:extLst>
-              <a:ext uri="{FF2B5EF4-FFF2-40B4-BE49-F238E27FC236}">
-                <a16:creationId xmlns:a16="http://schemas.microsoft.com/office/drawing/2014/main" id="{E0CBAC23-2E3F-4A90-BA59-F8299F6A5439}"/>
-              </a:ext>
-              <a:ext uri="{C183D7F6-B498-43B3-948B-1728B52AA6E4}">
-                <adec:decorative xmlns:adec="http://schemas.microsoft.com/office/drawing/2017/decorative" val="1"/>
-              </a:ext>
-            </a:extLst>
-          </p:cNvPr>
-          <p:cNvSpPr>
-            <a:spLocks noGrp="1" noRot="1" noChangeAspect="1" noMove="1" noResize="1" noEditPoints="1" noAdjustHandles="1" noChangeArrowheads="1" noChangeShapeType="1" noTextEdit="1"/>
-          </p:cNvSpPr>
-          <p:nvPr>
-            <p:extLst>
-              <p:ext uri="{386F3935-93C4-4BCD-93E2-E3B085C9AB24}">
-                <p16:designElem xmlns:p16="http://schemas.microsoft.com/office/powerpoint/2015/main" val="1"/>
-              </p:ext>
-            </p:extLst>
-          </p:nvPr>
-        </p:nvSpPr>
-        <p:spPr>
-          <a:xfrm>
-            <a:off x="628650" y="1865313"/>
-            <a:ext cx="7818120" cy="18288"/>
-          </a:xfrm>
-          <a:custGeom>
-            <a:avLst/>
-            <a:gdLst>
-              <a:gd name="connsiteX0" fmla="*/ 0 w 7818120"/>
-              <a:gd name="connsiteY0" fmla="*/ 0 h 18288"/>
-              <a:gd name="connsiteX1" fmla="*/ 416966 w 7818120"/>
-              <a:gd name="connsiteY1" fmla="*/ 0 h 18288"/>
-              <a:gd name="connsiteX2" fmla="*/ 1146658 w 7818120"/>
-              <a:gd name="connsiteY2" fmla="*/ 0 h 18288"/>
-              <a:gd name="connsiteX3" fmla="*/ 1563624 w 7818120"/>
-              <a:gd name="connsiteY3" fmla="*/ 0 h 18288"/>
-              <a:gd name="connsiteX4" fmla="*/ 2136953 w 7818120"/>
-              <a:gd name="connsiteY4" fmla="*/ 0 h 18288"/>
-              <a:gd name="connsiteX5" fmla="*/ 2944825 w 7818120"/>
-              <a:gd name="connsiteY5" fmla="*/ 0 h 18288"/>
-              <a:gd name="connsiteX6" fmla="*/ 3596335 w 7818120"/>
-              <a:gd name="connsiteY6" fmla="*/ 0 h 18288"/>
-              <a:gd name="connsiteX7" fmla="*/ 4326026 w 7818120"/>
-              <a:gd name="connsiteY7" fmla="*/ 0 h 18288"/>
-              <a:gd name="connsiteX8" fmla="*/ 4899355 w 7818120"/>
-              <a:gd name="connsiteY8" fmla="*/ 0 h 18288"/>
-              <a:gd name="connsiteX9" fmla="*/ 5550865 w 7818120"/>
-              <a:gd name="connsiteY9" fmla="*/ 0 h 18288"/>
-              <a:gd name="connsiteX10" fmla="*/ 6358738 w 7818120"/>
-              <a:gd name="connsiteY10" fmla="*/ 0 h 18288"/>
-              <a:gd name="connsiteX11" fmla="*/ 6853885 w 7818120"/>
-              <a:gd name="connsiteY11" fmla="*/ 0 h 18288"/>
-              <a:gd name="connsiteX12" fmla="*/ 7818120 w 7818120"/>
-              <a:gd name="connsiteY12" fmla="*/ 0 h 18288"/>
-              <a:gd name="connsiteX13" fmla="*/ 7818120 w 7818120"/>
-              <a:gd name="connsiteY13" fmla="*/ 18288 h 18288"/>
-              <a:gd name="connsiteX14" fmla="*/ 7244791 w 7818120"/>
-              <a:gd name="connsiteY14" fmla="*/ 18288 h 18288"/>
-              <a:gd name="connsiteX15" fmla="*/ 6827825 w 7818120"/>
-              <a:gd name="connsiteY15" fmla="*/ 18288 h 18288"/>
-              <a:gd name="connsiteX16" fmla="*/ 6176315 w 7818120"/>
-              <a:gd name="connsiteY16" fmla="*/ 18288 h 18288"/>
-              <a:gd name="connsiteX17" fmla="*/ 5681167 w 7818120"/>
-              <a:gd name="connsiteY17" fmla="*/ 18288 h 18288"/>
-              <a:gd name="connsiteX18" fmla="*/ 5029657 w 7818120"/>
-              <a:gd name="connsiteY18" fmla="*/ 18288 h 18288"/>
-              <a:gd name="connsiteX19" fmla="*/ 4378147 w 7818120"/>
-              <a:gd name="connsiteY19" fmla="*/ 18288 h 18288"/>
-              <a:gd name="connsiteX20" fmla="*/ 3726637 w 7818120"/>
-              <a:gd name="connsiteY20" fmla="*/ 18288 h 18288"/>
-              <a:gd name="connsiteX21" fmla="*/ 3075127 w 7818120"/>
-              <a:gd name="connsiteY21" fmla="*/ 18288 h 18288"/>
-              <a:gd name="connsiteX22" fmla="*/ 2501798 w 7818120"/>
-              <a:gd name="connsiteY22" fmla="*/ 18288 h 18288"/>
-              <a:gd name="connsiteX23" fmla="*/ 1772107 w 7818120"/>
-              <a:gd name="connsiteY23" fmla="*/ 18288 h 18288"/>
-              <a:gd name="connsiteX24" fmla="*/ 1120597 w 7818120"/>
-              <a:gd name="connsiteY24" fmla="*/ 18288 h 18288"/>
-              <a:gd name="connsiteX25" fmla="*/ 0 w 7818120"/>
-              <a:gd name="connsiteY25" fmla="*/ 18288 h 18288"/>
-              <a:gd name="connsiteX26" fmla="*/ 0 w 7818120"/>
-              <a:gd name="connsiteY26" fmla="*/ 0 h 18288"/>
-            </a:gdLst>
-            <a:ahLst/>
-            <a:cxnLst>
-              <a:cxn ang="0">
-                <a:pos x="connsiteX0" y="connsiteY0"/>
-              </a:cxn>
-              <a:cxn ang="0">
-                <a:pos x="connsiteX1" y="connsiteY1"/>
-              </a:cxn>
-              <a:cxn ang="0">
-                <a:pos x="connsiteX2" y="connsiteY2"/>
-              </a:cxn>
-              <a:cxn ang="0">
-                <a:pos x="connsiteX3" y="connsiteY3"/>
-              </a:cxn>
-              <a:cxn ang="0">
-                <a:pos x="connsiteX4" y="connsiteY4"/>
-              </a:cxn>
-              <a:cxn ang="0">
-                <a:pos x="connsiteX5" y="connsiteY5"/>
-              </a:cxn>
-              <a:cxn ang="0">
-                <a:pos x="connsiteX6" y="connsiteY6"/>
-              </a:cxn>
-              <a:cxn ang="0">
-                <a:pos x="connsiteX7" y="connsiteY7"/>
-              </a:cxn>
-              <a:cxn ang="0">
-                <a:pos x="connsiteX8" y="connsiteY8"/>
-              </a:cxn>
-              <a:cxn ang="0">
-                <a:pos x="connsiteX9" y="connsiteY9"/>
-              </a:cxn>
-              <a:cxn ang="0">
-                <a:pos x="connsiteX10" y="connsiteY10"/>
-              </a:cxn>
-              <a:cxn ang="0">
-                <a:pos x="connsiteX11" y="connsiteY11"/>
-              </a:cxn>
-              <a:cxn ang="0">
-                <a:pos x="connsiteX12" y="connsiteY12"/>
-              </a:cxn>
-              <a:cxn ang="0">
-                <a:pos x="connsiteX13" y="connsiteY13"/>
-              </a:cxn>
-              <a:cxn ang="0">
-                <a:pos x="connsiteX14" y="connsiteY14"/>
-              </a:cxn>
-              <a:cxn ang="0">
-                <a:pos x="connsiteX15" y="connsiteY15"/>
-              </a:cxn>
-              <a:cxn ang="0">
-                <a:pos x="connsiteX16" y="connsiteY16"/>
-              </a:cxn>
-              <a:cxn ang="0">
-                <a:pos x="connsiteX17" y="connsiteY17"/>
-              </a:cxn>
-              <a:cxn ang="0">
-                <a:pos x="connsiteX18" y="connsiteY18"/>
-              </a:cxn>
-              <a:cxn ang="0">
-                <a:pos x="connsiteX19" y="connsiteY19"/>
-              </a:cxn>
-              <a:cxn ang="0">
-                <a:pos x="connsiteX20" y="connsiteY20"/>
-              </a:cxn>
-              <a:cxn ang="0">
-                <a:pos x="connsiteX21" y="connsiteY21"/>
-              </a:cxn>
-              <a:cxn ang="0">
-                <a:pos x="connsiteX22" y="connsiteY22"/>
-              </a:cxn>
-              <a:cxn ang="0">
-                <a:pos x="connsiteX23" y="connsiteY23"/>
-              </a:cxn>
-              <a:cxn ang="0">
-                <a:pos x="connsiteX24" y="connsiteY24"/>
-              </a:cxn>
-              <a:cxn ang="0">
-                <a:pos x="connsiteX25" y="connsiteY25"/>
-              </a:cxn>
-              <a:cxn ang="0">
-                <a:pos x="connsiteX26" y="connsiteY26"/>
-              </a:cxn>
-            </a:cxnLst>
-            <a:rect l="l" t="t" r="r" b="b"/>
-            <a:pathLst>
-              <a:path w="7818120" h="18288" fill="none" extrusionOk="0">
-                <a:moveTo>
-                  <a:pt x="0" y="0"/>
-                </a:moveTo>
-                <a:cubicBezTo>
-                  <a:pt x="121520" y="-12182"/>
-                  <a:pt x="211324" y="18247"/>
-                  <a:pt x="416966" y="0"/>
-                </a:cubicBezTo>
-                <a:cubicBezTo>
-                  <a:pt x="622608" y="-18247"/>
-                  <a:pt x="891241" y="-13744"/>
-                  <a:pt x="1146658" y="0"/>
-                </a:cubicBezTo>
-                <a:cubicBezTo>
-                  <a:pt x="1402075" y="13744"/>
-                  <a:pt x="1378880" y="-8543"/>
-                  <a:pt x="1563624" y="0"/>
-                </a:cubicBezTo>
-                <a:cubicBezTo>
-                  <a:pt x="1748368" y="8543"/>
-                  <a:pt x="1972300" y="7443"/>
-                  <a:pt x="2136953" y="0"/>
-                </a:cubicBezTo>
-                <a:cubicBezTo>
-                  <a:pt x="2301606" y="-7443"/>
-                  <a:pt x="2679634" y="12382"/>
-                  <a:pt x="2944825" y="0"/>
-                </a:cubicBezTo>
-                <a:cubicBezTo>
-                  <a:pt x="3210016" y="-12382"/>
-                  <a:pt x="3409232" y="17967"/>
-                  <a:pt x="3596335" y="0"/>
-                </a:cubicBezTo>
-                <a:cubicBezTo>
-                  <a:pt x="3783438" y="-17967"/>
-                  <a:pt x="4002523" y="-28578"/>
-                  <a:pt x="4326026" y="0"/>
-                </a:cubicBezTo>
-                <a:cubicBezTo>
-                  <a:pt x="4649529" y="28578"/>
-                  <a:pt x="4777384" y="-3624"/>
-                  <a:pt x="4899355" y="0"/>
-                </a:cubicBezTo>
-                <a:cubicBezTo>
-                  <a:pt x="5021326" y="3624"/>
-                  <a:pt x="5317653" y="1281"/>
-                  <a:pt x="5550865" y="0"/>
-                </a:cubicBezTo>
-                <a:cubicBezTo>
-                  <a:pt x="5784077" y="-1281"/>
-                  <a:pt x="6142956" y="-39637"/>
-                  <a:pt x="6358738" y="0"/>
-                </a:cubicBezTo>
-                <a:cubicBezTo>
-                  <a:pt x="6574520" y="39637"/>
-                  <a:pt x="6724785" y="-4460"/>
-                  <a:pt x="6853885" y="0"/>
-                </a:cubicBezTo>
-                <a:cubicBezTo>
-                  <a:pt x="6982985" y="4460"/>
-                  <a:pt x="7403044" y="-1955"/>
-                  <a:pt x="7818120" y="0"/>
-                </a:cubicBezTo>
-                <a:cubicBezTo>
-                  <a:pt x="7817988" y="7702"/>
-                  <a:pt x="7817908" y="13511"/>
-                  <a:pt x="7818120" y="18288"/>
-                </a:cubicBezTo>
-                <a:cubicBezTo>
-                  <a:pt x="7698847" y="-3267"/>
-                  <a:pt x="7390924" y="22979"/>
-                  <a:pt x="7244791" y="18288"/>
-                </a:cubicBezTo>
-                <a:cubicBezTo>
-                  <a:pt x="7098658" y="13597"/>
-                  <a:pt x="6952735" y="29357"/>
-                  <a:pt x="6827825" y="18288"/>
-                </a:cubicBezTo>
-                <a:cubicBezTo>
-                  <a:pt x="6702915" y="7219"/>
-                  <a:pt x="6338661" y="34530"/>
-                  <a:pt x="6176315" y="18288"/>
-                </a:cubicBezTo>
-                <a:cubicBezTo>
-                  <a:pt x="6013969" y="2047"/>
-                  <a:pt x="5850602" y="6362"/>
-                  <a:pt x="5681167" y="18288"/>
-                </a:cubicBezTo>
-                <a:cubicBezTo>
-                  <a:pt x="5511732" y="30214"/>
-                  <a:pt x="5312143" y="419"/>
-                  <a:pt x="5029657" y="18288"/>
-                </a:cubicBezTo>
-                <a:cubicBezTo>
-                  <a:pt x="4747171" y="36158"/>
-                  <a:pt x="4655062" y="30740"/>
-                  <a:pt x="4378147" y="18288"/>
-                </a:cubicBezTo>
-                <a:cubicBezTo>
-                  <a:pt x="4101232" y="5837"/>
-                  <a:pt x="4037646" y="44706"/>
-                  <a:pt x="3726637" y="18288"/>
-                </a:cubicBezTo>
-                <a:cubicBezTo>
-                  <a:pt x="3415628" y="-8130"/>
-                  <a:pt x="3321756" y="45507"/>
-                  <a:pt x="3075127" y="18288"/>
-                </a:cubicBezTo>
-                <a:cubicBezTo>
-                  <a:pt x="2828498" y="-8931"/>
-                  <a:pt x="2684733" y="14853"/>
-                  <a:pt x="2501798" y="18288"/>
-                </a:cubicBezTo>
-                <a:cubicBezTo>
-                  <a:pt x="2318863" y="21723"/>
-                  <a:pt x="2121844" y="-13013"/>
-                  <a:pt x="1772107" y="18288"/>
-                </a:cubicBezTo>
-                <a:cubicBezTo>
-                  <a:pt x="1422370" y="49589"/>
-                  <a:pt x="1431548" y="31666"/>
-                  <a:pt x="1120597" y="18288"/>
-                </a:cubicBezTo>
-                <a:cubicBezTo>
-                  <a:pt x="809646" y="4911"/>
-                  <a:pt x="246393" y="56240"/>
-                  <a:pt x="0" y="18288"/>
-                </a:cubicBezTo>
-                <a:cubicBezTo>
-                  <a:pt x="129" y="13298"/>
-                  <a:pt x="-675" y="6857"/>
-                  <a:pt x="0" y="0"/>
-                </a:cubicBezTo>
-                <a:close/>
-              </a:path>
-              <a:path w="7818120" h="18288" stroke="0" extrusionOk="0">
-                <a:moveTo>
-                  <a:pt x="0" y="0"/>
-                </a:moveTo>
-                <a:cubicBezTo>
-                  <a:pt x="177487" y="-4302"/>
-                  <a:pt x="287499" y="4997"/>
-                  <a:pt x="573329" y="0"/>
-                </a:cubicBezTo>
-                <a:cubicBezTo>
-                  <a:pt x="859159" y="-4997"/>
-                  <a:pt x="821965" y="-336"/>
-                  <a:pt x="990295" y="0"/>
-                </a:cubicBezTo>
-                <a:cubicBezTo>
-                  <a:pt x="1158625" y="336"/>
-                  <a:pt x="1587918" y="-4681"/>
-                  <a:pt x="1798168" y="0"/>
-                </a:cubicBezTo>
-                <a:cubicBezTo>
-                  <a:pt x="2008418" y="4681"/>
-                  <a:pt x="2088841" y="-2754"/>
-                  <a:pt x="2371496" y="0"/>
-                </a:cubicBezTo>
-                <a:cubicBezTo>
-                  <a:pt x="2654151" y="2754"/>
-                  <a:pt x="2701462" y="-24976"/>
-                  <a:pt x="2944825" y="0"/>
-                </a:cubicBezTo>
-                <a:cubicBezTo>
-                  <a:pt x="3188188" y="24976"/>
-                  <a:pt x="3511636" y="25407"/>
-                  <a:pt x="3752698" y="0"/>
-                </a:cubicBezTo>
-                <a:cubicBezTo>
-                  <a:pt x="3993760" y="-25407"/>
-                  <a:pt x="4107153" y="6432"/>
-                  <a:pt x="4247845" y="0"/>
-                </a:cubicBezTo>
-                <a:cubicBezTo>
-                  <a:pt x="4388537" y="-6432"/>
-                  <a:pt x="4835598" y="-5108"/>
-                  <a:pt x="5055718" y="0"/>
-                </a:cubicBezTo>
-                <a:cubicBezTo>
-                  <a:pt x="5275838" y="5108"/>
-                  <a:pt x="5461006" y="-24536"/>
-                  <a:pt x="5863590" y="0"/>
-                </a:cubicBezTo>
-                <a:cubicBezTo>
-                  <a:pt x="6266174" y="24536"/>
-                  <a:pt x="6355549" y="-19657"/>
-                  <a:pt x="6515100" y="0"/>
-                </a:cubicBezTo>
-                <a:cubicBezTo>
-                  <a:pt x="6674651" y="19657"/>
-                  <a:pt x="7275423" y="-57462"/>
-                  <a:pt x="7818120" y="0"/>
-                </a:cubicBezTo>
-                <a:cubicBezTo>
-                  <a:pt x="7818132" y="8833"/>
-                  <a:pt x="7818660" y="9830"/>
-                  <a:pt x="7818120" y="18288"/>
-                </a:cubicBezTo>
-                <a:cubicBezTo>
-                  <a:pt x="7610240" y="4606"/>
-                  <a:pt x="7521789" y="7721"/>
-                  <a:pt x="7401154" y="18288"/>
-                </a:cubicBezTo>
-                <a:cubicBezTo>
-                  <a:pt x="7280519" y="28855"/>
-                  <a:pt x="6930719" y="4225"/>
-                  <a:pt x="6593281" y="18288"/>
-                </a:cubicBezTo>
-                <a:cubicBezTo>
-                  <a:pt x="6255843" y="32351"/>
-                  <a:pt x="6286682" y="1162"/>
-                  <a:pt x="6098134" y="18288"/>
-                </a:cubicBezTo>
-                <a:cubicBezTo>
-                  <a:pt x="5909586" y="35414"/>
-                  <a:pt x="5602789" y="48596"/>
-                  <a:pt x="5446624" y="18288"/>
-                </a:cubicBezTo>
-                <a:cubicBezTo>
-                  <a:pt x="5290459" y="-12020"/>
-                  <a:pt x="4917039" y="21960"/>
-                  <a:pt x="4638751" y="18288"/>
-                </a:cubicBezTo>
-                <a:cubicBezTo>
-                  <a:pt x="4360463" y="14616"/>
-                  <a:pt x="4304690" y="5450"/>
-                  <a:pt x="3987241" y="18288"/>
-                </a:cubicBezTo>
-                <a:cubicBezTo>
-                  <a:pt x="3669792" y="31127"/>
-                  <a:pt x="3758742" y="32551"/>
-                  <a:pt x="3570275" y="18288"/>
-                </a:cubicBezTo>
-                <a:cubicBezTo>
-                  <a:pt x="3381808" y="4025"/>
-                  <a:pt x="3267153" y="36200"/>
-                  <a:pt x="3075127" y="18288"/>
-                </a:cubicBezTo>
-                <a:cubicBezTo>
-                  <a:pt x="2883101" y="376"/>
-                  <a:pt x="2665825" y="10973"/>
-                  <a:pt x="2267255" y="18288"/>
-                </a:cubicBezTo>
-                <a:cubicBezTo>
-                  <a:pt x="1868685" y="25603"/>
-                  <a:pt x="1884698" y="28410"/>
-                  <a:pt x="1615745" y="18288"/>
-                </a:cubicBezTo>
-                <a:cubicBezTo>
-                  <a:pt x="1346792" y="8167"/>
-                  <a:pt x="1320952" y="10430"/>
-                  <a:pt x="1120597" y="18288"/>
-                </a:cubicBezTo>
-                <a:cubicBezTo>
-                  <a:pt x="920242" y="26146"/>
-                  <a:pt x="556507" y="50790"/>
-                  <a:pt x="0" y="18288"/>
-                </a:cubicBezTo>
-                <a:cubicBezTo>
-                  <a:pt x="74" y="14054"/>
-                  <a:pt x="-46" y="6997"/>
-                  <a:pt x="0" y="0"/>
-                </a:cubicBezTo>
-                <a:close/>
-              </a:path>
-            </a:pathLst>
-          </a:custGeom>
-          <a:solidFill>
-            <a:schemeClr val="accent2"/>
-          </a:solidFill>
-          <a:ln w="41275" cap="rnd">
-            <a:solidFill>
-              <a:schemeClr val="accent2"/>
-            </a:solidFill>
-            <a:round/>
-            <a:extLst>
-              <a:ext uri="{C807C97D-BFC1-408E-A445-0C87EB9F89A2}">
-                <ask:lineSketchStyleProps xmlns:ask="http://schemas.microsoft.com/office/drawing/2018/sketchyshapes" sd="1219033472">
-                  <a:prstGeom prst="rect">
-                    <a:avLst/>
-                  </a:prstGeom>
-                  <ask:type>
-                    <ask:lineSketchFreehand/>
-                  </ask:type>
-                </ask:lineSketchStyleProps>
-              </a:ext>
-            </a:extLst>
-          </a:ln>
-        </p:spPr>
-        <p:style>
-          <a:lnRef idx="2">
-            <a:schemeClr val="accent1">
-              <a:shade val="50000"/>
-            </a:schemeClr>
-          </a:lnRef>
-          <a:fillRef idx="1">
-            <a:schemeClr val="accent1"/>
-          </a:fillRef>
-          <a:effectRef idx="0">
-            <a:schemeClr val="accent1"/>
-          </a:effectRef>
-          <a:fontRef idx="minor">
-            <a:schemeClr val="lt1"/>
-          </a:fontRef>
-        </p:style>
-        <p:txBody>
-          <a:bodyPr rtlCol="0" anchor="ctr"/>
-          <a:lstStyle/>
-          <a:p>
-            <a:pPr algn="ctr"/>
-            <a:endParaRPr lang="en-US"/>
-          </a:p>
-        </p:txBody>
-      </p:sp>
-      <p:graphicFrame>
-        <p:nvGraphicFramePr>
-          <p:cNvPr id="5" name="Content Placeholder 2">
-            <a:extLst>
-              <a:ext uri="{FF2B5EF4-FFF2-40B4-BE49-F238E27FC236}">
-                <a16:creationId xmlns:a16="http://schemas.microsoft.com/office/drawing/2014/main" id="{60ABED8B-FF49-56E7-52F4-AB5F299800C4}"/>
-              </a:ext>
-            </a:extLst>
-          </p:cNvPr>
-          <p:cNvGraphicFramePr>
-            <a:graphicFrameLocks noGrp="1"/>
-          </p:cNvGraphicFramePr>
-          <p:nvPr>
-            <p:ph idx="1"/>
-            <p:extLst>
-              <p:ext uri="{D42A27DB-BD31-4B8C-83A1-F6EECF244321}">
-                <p14:modId xmlns:p14="http://schemas.microsoft.com/office/powerpoint/2010/main" val="605254820"/>
-              </p:ext>
-            </p:extLst>
-          </p:nvPr>
-        </p:nvGraphicFramePr>
-        <p:xfrm>
-          <a:off x="628650" y="2228087"/>
-          <a:ext cx="7886700" cy="3948876"/>
-        </p:xfrm>
-        <a:graphic>
-          <a:graphicData uri="http://schemas.openxmlformats.org/drawingml/2006/diagram">
-            <dgm:relIds xmlns:dgm="http://schemas.openxmlformats.org/drawingml/2006/diagram" xmlns:r="http://schemas.openxmlformats.org/officeDocument/2006/relationships" r:dm="rId2" r:lo="rId3" r:qs="rId4" r:cs="rId5"/>
-          </a:graphicData>
-        </a:graphic>
-      </p:graphicFrame>
     </p:spTree>
   </p:cSld>
   <p:clrMapOvr>
